--- a/03_combo_figures/ig_2023_08_18_fig_genes.pptx
+++ b/03_combo_figures/ig_2023_08_18_fig_genes.pptx
@@ -118,7 +118,7 @@
 <file path=ppt/revisionInfo.xml><?xml version="1.0" encoding="utf-8"?>
 <p1510:revInfo xmlns:a="http://schemas.openxmlformats.org/drawingml/2006/main" xmlns:r="http://schemas.openxmlformats.org/officeDocument/2006/relationships" xmlns:p1510="http://schemas.microsoft.com/office/powerpoint/2015/10/main">
   <p1510:revLst>
-    <p1510:client id="{9BA1C2E2-C1C6-0E41-8DB5-E37CFFBFF203}" v="176" dt="2023-09-27T20:17:03.268"/>
+    <p1510:client id="{9BA1C2E2-C1C6-0E41-8DB5-E37CFFBFF203}" v="183" dt="2023-10-04T11:03:07.397"/>
   </p1510:revLst>
 </p1510:revInfo>
 </file>
@@ -785,7 +785,7 @@
   <pc:docChgLst>
     <pc:chgData name="Ann Igolkina" userId="4d1b5d7ddf2bbc78" providerId="LiveId" clId="{9BA1C2E2-C1C6-0E41-8DB5-E37CFFBFF203}"/>
     <pc:docChg chg="undo redo custSel addSld delSld modSld sldOrd">
-      <pc:chgData name="Ann Igolkina" userId="4d1b5d7ddf2bbc78" providerId="LiveId" clId="{9BA1C2E2-C1C6-0E41-8DB5-E37CFFBFF203}" dt="2023-09-27T20:17:16.273" v="1537" actId="1076"/>
+      <pc:chgData name="Ann Igolkina" userId="4d1b5d7ddf2bbc78" providerId="LiveId" clId="{9BA1C2E2-C1C6-0E41-8DB5-E37CFFBFF203}" dt="2023-10-04T11:03:45.434" v="1590" actId="1037"/>
       <pc:docMkLst>
         <pc:docMk/>
       </pc:docMkLst>
@@ -1363,7 +1363,7 @@
         </pc:sldMkLst>
       </pc:sldChg>
       <pc:sldChg chg="addSp delSp modSp new mod ord">
-        <pc:chgData name="Ann Igolkina" userId="4d1b5d7ddf2bbc78" providerId="LiveId" clId="{9BA1C2E2-C1C6-0E41-8DB5-E37CFFBFF203}" dt="2023-09-27T20:17:16.273" v="1537" actId="1076"/>
+        <pc:chgData name="Ann Igolkina" userId="4d1b5d7ddf2bbc78" providerId="LiveId" clId="{9BA1C2E2-C1C6-0E41-8DB5-E37CFFBFF203}" dt="2023-10-04T11:03:45.434" v="1590" actId="1037"/>
         <pc:sldMkLst>
           <pc:docMk/>
           <pc:sldMk cId="3329085091" sldId="258"/>
@@ -1377,11 +1377,59 @@
           </ac:spMkLst>
         </pc:spChg>
         <pc:spChg chg="add mod">
+          <ac:chgData name="Ann Igolkina" userId="4d1b5d7ddf2bbc78" providerId="LiveId" clId="{9BA1C2E2-C1C6-0E41-8DB5-E37CFFBFF203}" dt="2023-10-04T11:03:38.013" v="1587" actId="113"/>
+          <ac:spMkLst>
+            <pc:docMk/>
+            <pc:sldMk cId="3329085091" sldId="258"/>
+            <ac:spMk id="2" creationId="{9CE328B0-94CB-2A7C-11DF-B02A8801D0CA}"/>
+          </ac:spMkLst>
+        </pc:spChg>
+        <pc:spChg chg="add mod">
           <ac:chgData name="Ann Igolkina" userId="4d1b5d7ddf2bbc78" providerId="LiveId" clId="{9BA1C2E2-C1C6-0E41-8DB5-E37CFFBFF203}" dt="2023-09-18T19:32:42.067" v="797" actId="1076"/>
           <ac:spMkLst>
             <pc:docMk/>
             <pc:sldMk cId="3329085091" sldId="258"/>
             <ac:spMk id="3" creationId="{5667FA5E-8E58-C325-2ECD-D32982A22052}"/>
+          </ac:spMkLst>
+        </pc:spChg>
+        <pc:spChg chg="add mod">
+          <ac:chgData name="Ann Igolkina" userId="4d1b5d7ddf2bbc78" providerId="LiveId" clId="{9BA1C2E2-C1C6-0E41-8DB5-E37CFFBFF203}" dt="2023-10-04T11:03:38.013" v="1587" actId="113"/>
+          <ac:spMkLst>
+            <pc:docMk/>
+            <pc:sldMk cId="3329085091" sldId="258"/>
+            <ac:spMk id="5" creationId="{AC01D5F3-DD32-B68C-CF19-CFEA18D38D67}"/>
+          </ac:spMkLst>
+        </pc:spChg>
+        <pc:spChg chg="add mod">
+          <ac:chgData name="Ann Igolkina" userId="4d1b5d7ddf2bbc78" providerId="LiveId" clId="{9BA1C2E2-C1C6-0E41-8DB5-E37CFFBFF203}" dt="2023-10-04T11:03:45.434" v="1590" actId="1037"/>
+          <ac:spMkLst>
+            <pc:docMk/>
+            <pc:sldMk cId="3329085091" sldId="258"/>
+            <ac:spMk id="6" creationId="{6178E5C0-60DE-8A74-9037-E6CC8D60F169}"/>
+          </ac:spMkLst>
+        </pc:spChg>
+        <pc:spChg chg="add mod">
+          <ac:chgData name="Ann Igolkina" userId="4d1b5d7ddf2bbc78" providerId="LiveId" clId="{9BA1C2E2-C1C6-0E41-8DB5-E37CFFBFF203}" dt="2023-10-04T11:03:45.434" v="1590" actId="1037"/>
+          <ac:spMkLst>
+            <pc:docMk/>
+            <pc:sldMk cId="3329085091" sldId="258"/>
+            <ac:spMk id="7" creationId="{E92FBE56-7BFB-959D-0CB6-C99AC56EDD30}"/>
+          </ac:spMkLst>
+        </pc:spChg>
+        <pc:spChg chg="add mod">
+          <ac:chgData name="Ann Igolkina" userId="4d1b5d7ddf2bbc78" providerId="LiveId" clId="{9BA1C2E2-C1C6-0E41-8DB5-E37CFFBFF203}" dt="2023-10-04T11:03:38.013" v="1587" actId="113"/>
+          <ac:spMkLst>
+            <pc:docMk/>
+            <pc:sldMk cId="3329085091" sldId="258"/>
+            <ac:spMk id="8" creationId="{1A82668B-2FEF-CF01-C6AB-FE565F5A2B17}"/>
+          </ac:spMkLst>
+        </pc:spChg>
+        <pc:spChg chg="add mod">
+          <ac:chgData name="Ann Igolkina" userId="4d1b5d7ddf2bbc78" providerId="LiveId" clId="{9BA1C2E2-C1C6-0E41-8DB5-E37CFFBFF203}" dt="2023-10-04T11:03:38.013" v="1587" actId="113"/>
+          <ac:spMkLst>
+            <pc:docMk/>
+            <pc:sldMk cId="3329085091" sldId="258"/>
+            <ac:spMk id="9" creationId="{96D1B84B-823B-553C-BBAA-24D69D5D82E8}"/>
           </ac:spMkLst>
         </pc:spChg>
         <pc:spChg chg="add del mod">
@@ -1390,6 +1438,14 @@
             <pc:docMk/>
             <pc:sldMk cId="3329085091" sldId="258"/>
             <ac:spMk id="11" creationId="{6CA8330B-73C1-09C3-7D7A-803EE5663FB5}"/>
+          </ac:spMkLst>
+        </pc:spChg>
+        <pc:spChg chg="add mod">
+          <ac:chgData name="Ann Igolkina" userId="4d1b5d7ddf2bbc78" providerId="LiveId" clId="{9BA1C2E2-C1C6-0E41-8DB5-E37CFFBFF203}" dt="2023-10-04T11:03:38.013" v="1587" actId="113"/>
+          <ac:spMkLst>
+            <pc:docMk/>
+            <pc:sldMk cId="3329085091" sldId="258"/>
+            <ac:spMk id="11" creationId="{6FF95F8F-DC82-3C54-6577-7D0F4FBAF470}"/>
           </ac:spMkLst>
         </pc:spChg>
         <pc:spChg chg="add mod">
@@ -3964,7 +4020,7 @@
           <a:p>
             <a:fld id="{54B5EF71-3848-8048-B7D2-636D112955BB}" type="datetimeFigureOut">
               <a:rPr lang="en-AT" smtClean="0"/>
-              <a:t>27.09.23</a:t>
+              <a:t>04.10.23</a:t>
             </a:fld>
             <a:endParaRPr lang="en-AT"/>
           </a:p>
@@ -4134,7 +4190,7 @@
           <a:p>
             <a:fld id="{54B5EF71-3848-8048-B7D2-636D112955BB}" type="datetimeFigureOut">
               <a:rPr lang="en-AT" smtClean="0"/>
-              <a:t>27.09.23</a:t>
+              <a:t>04.10.23</a:t>
             </a:fld>
             <a:endParaRPr lang="en-AT"/>
           </a:p>
@@ -4314,7 +4370,7 @@
           <a:p>
             <a:fld id="{54B5EF71-3848-8048-B7D2-636D112955BB}" type="datetimeFigureOut">
               <a:rPr lang="en-AT" smtClean="0"/>
-              <a:t>27.09.23</a:t>
+              <a:t>04.10.23</a:t>
             </a:fld>
             <a:endParaRPr lang="en-AT"/>
           </a:p>
@@ -4484,7 +4540,7 @@
           <a:p>
             <a:fld id="{54B5EF71-3848-8048-B7D2-636D112955BB}" type="datetimeFigureOut">
               <a:rPr lang="en-AT" smtClean="0"/>
-              <a:t>27.09.23</a:t>
+              <a:t>04.10.23</a:t>
             </a:fld>
             <a:endParaRPr lang="en-AT"/>
           </a:p>
@@ -4728,7 +4784,7 @@
           <a:p>
             <a:fld id="{54B5EF71-3848-8048-B7D2-636D112955BB}" type="datetimeFigureOut">
               <a:rPr lang="en-AT" smtClean="0"/>
-              <a:t>27.09.23</a:t>
+              <a:t>04.10.23</a:t>
             </a:fld>
             <a:endParaRPr lang="en-AT"/>
           </a:p>
@@ -4960,7 +5016,7 @@
           <a:p>
             <a:fld id="{54B5EF71-3848-8048-B7D2-636D112955BB}" type="datetimeFigureOut">
               <a:rPr lang="en-AT" smtClean="0"/>
-              <a:t>27.09.23</a:t>
+              <a:t>04.10.23</a:t>
             </a:fld>
             <a:endParaRPr lang="en-AT"/>
           </a:p>
@@ -5327,7 +5383,7 @@
           <a:p>
             <a:fld id="{54B5EF71-3848-8048-B7D2-636D112955BB}" type="datetimeFigureOut">
               <a:rPr lang="en-AT" smtClean="0"/>
-              <a:t>27.09.23</a:t>
+              <a:t>04.10.23</a:t>
             </a:fld>
             <a:endParaRPr lang="en-AT"/>
           </a:p>
@@ -5445,7 +5501,7 @@
           <a:p>
             <a:fld id="{54B5EF71-3848-8048-B7D2-636D112955BB}" type="datetimeFigureOut">
               <a:rPr lang="en-AT" smtClean="0"/>
-              <a:t>27.09.23</a:t>
+              <a:t>04.10.23</a:t>
             </a:fld>
             <a:endParaRPr lang="en-AT"/>
           </a:p>
@@ -5540,7 +5596,7 @@
           <a:p>
             <a:fld id="{54B5EF71-3848-8048-B7D2-636D112955BB}" type="datetimeFigureOut">
               <a:rPr lang="en-AT" smtClean="0"/>
-              <a:t>27.09.23</a:t>
+              <a:t>04.10.23</a:t>
             </a:fld>
             <a:endParaRPr lang="en-AT"/>
           </a:p>
@@ -5817,7 +5873,7 @@
           <a:p>
             <a:fld id="{54B5EF71-3848-8048-B7D2-636D112955BB}" type="datetimeFigureOut">
               <a:rPr lang="en-AT" smtClean="0"/>
-              <a:t>27.09.23</a:t>
+              <a:t>04.10.23</a:t>
             </a:fld>
             <a:endParaRPr lang="en-AT"/>
           </a:p>
@@ -6074,7 +6130,7 @@
           <a:p>
             <a:fld id="{54B5EF71-3848-8048-B7D2-636D112955BB}" type="datetimeFigureOut">
               <a:rPr lang="en-AT" smtClean="0"/>
-              <a:t>27.09.23</a:t>
+              <a:t>04.10.23</a:t>
             </a:fld>
             <a:endParaRPr lang="en-AT"/>
           </a:p>
@@ -6287,7 +6343,7 @@
           <a:p>
             <a:fld id="{54B5EF71-3848-8048-B7D2-636D112955BB}" type="datetimeFigureOut">
               <a:rPr lang="en-AT" smtClean="0"/>
-              <a:t>27.09.23</a:t>
+              <a:t>04.10.23</a:t>
             </a:fld>
             <a:endParaRPr lang="en-AT"/>
           </a:p>
@@ -7178,6 +7234,251 @@
           </a:prstGeom>
         </p:spPr>
       </p:pic>
+      <p:sp>
+        <p:nvSpPr>
+          <p:cNvPr id="2" name="TextBox 1">
+            <a:extLst>
+              <a:ext uri="{FF2B5EF4-FFF2-40B4-BE49-F238E27FC236}">
+                <a16:creationId xmlns:a16="http://schemas.microsoft.com/office/drawing/2014/main" id="{9CE328B0-94CB-2A7C-11DF-B02A8801D0CA}"/>
+              </a:ext>
+            </a:extLst>
+          </p:cNvPr>
+          <p:cNvSpPr txBox="1"/>
+          <p:nvPr/>
+        </p:nvSpPr>
+        <p:spPr>
+          <a:xfrm>
+            <a:off x="-48127" y="0"/>
+            <a:ext cx="324128" cy="369332"/>
+          </a:xfrm>
+          <a:prstGeom prst="rect">
+            <a:avLst/>
+          </a:prstGeom>
+          <a:noFill/>
+        </p:spPr>
+        <p:txBody>
+          <a:bodyPr wrap="none" rtlCol="0">
+            <a:spAutoFit/>
+          </a:bodyPr>
+          <a:lstStyle/>
+          <a:p>
+            <a:r>
+              <a:rPr lang="en-AT" b="1" dirty="0"/>
+              <a:t>A</a:t>
+            </a:r>
+          </a:p>
+        </p:txBody>
+      </p:sp>
+      <p:sp>
+        <p:nvSpPr>
+          <p:cNvPr id="5" name="TextBox 4">
+            <a:extLst>
+              <a:ext uri="{FF2B5EF4-FFF2-40B4-BE49-F238E27FC236}">
+                <a16:creationId xmlns:a16="http://schemas.microsoft.com/office/drawing/2014/main" id="{AC01D5F3-DD32-B68C-CF19-CFEA18D38D67}"/>
+              </a:ext>
+            </a:extLst>
+          </p:cNvPr>
+          <p:cNvSpPr txBox="1"/>
+          <p:nvPr/>
+        </p:nvSpPr>
+        <p:spPr>
+          <a:xfrm>
+            <a:off x="4557572" y="0"/>
+            <a:ext cx="314510" cy="369332"/>
+          </a:xfrm>
+          <a:prstGeom prst="rect">
+            <a:avLst/>
+          </a:prstGeom>
+          <a:noFill/>
+        </p:spPr>
+        <p:txBody>
+          <a:bodyPr wrap="none" rtlCol="0">
+            <a:spAutoFit/>
+          </a:bodyPr>
+          <a:lstStyle/>
+          <a:p>
+            <a:r>
+              <a:rPr lang="en-AT" b="1" dirty="0"/>
+              <a:t>B</a:t>
+            </a:r>
+          </a:p>
+        </p:txBody>
+      </p:sp>
+      <p:sp>
+        <p:nvSpPr>
+          <p:cNvPr id="6" name="TextBox 5">
+            <a:extLst>
+              <a:ext uri="{FF2B5EF4-FFF2-40B4-BE49-F238E27FC236}">
+                <a16:creationId xmlns:a16="http://schemas.microsoft.com/office/drawing/2014/main" id="{6178E5C0-60DE-8A74-9037-E6CC8D60F169}"/>
+              </a:ext>
+            </a:extLst>
+          </p:cNvPr>
+          <p:cNvSpPr txBox="1"/>
+          <p:nvPr/>
+        </p:nvSpPr>
+        <p:spPr>
+          <a:xfrm>
+            <a:off x="8952610" y="0"/>
+            <a:ext cx="308098" cy="369332"/>
+          </a:xfrm>
+          <a:prstGeom prst="rect">
+            <a:avLst/>
+          </a:prstGeom>
+          <a:noFill/>
+        </p:spPr>
+        <p:txBody>
+          <a:bodyPr wrap="none" rtlCol="0">
+            <a:spAutoFit/>
+          </a:bodyPr>
+          <a:lstStyle/>
+          <a:p>
+            <a:r>
+              <a:rPr lang="en-AT" b="1" dirty="0"/>
+              <a:t>C</a:t>
+            </a:r>
+          </a:p>
+        </p:txBody>
+      </p:sp>
+      <p:sp>
+        <p:nvSpPr>
+          <p:cNvPr id="7" name="TextBox 6">
+            <a:extLst>
+              <a:ext uri="{FF2B5EF4-FFF2-40B4-BE49-F238E27FC236}">
+                <a16:creationId xmlns:a16="http://schemas.microsoft.com/office/drawing/2014/main" id="{E92FBE56-7BFB-959D-0CB6-C99AC56EDD30}"/>
+              </a:ext>
+            </a:extLst>
+          </p:cNvPr>
+          <p:cNvSpPr txBox="1"/>
+          <p:nvPr/>
+        </p:nvSpPr>
+        <p:spPr>
+          <a:xfrm>
+            <a:off x="8975002" y="1188921"/>
+            <a:ext cx="330540" cy="369332"/>
+          </a:xfrm>
+          <a:prstGeom prst="rect">
+            <a:avLst/>
+          </a:prstGeom>
+          <a:noFill/>
+        </p:spPr>
+        <p:txBody>
+          <a:bodyPr wrap="none" rtlCol="0">
+            <a:spAutoFit/>
+          </a:bodyPr>
+          <a:lstStyle/>
+          <a:p>
+            <a:r>
+              <a:rPr lang="en-AT" b="1" dirty="0"/>
+              <a:t>D</a:t>
+            </a:r>
+          </a:p>
+        </p:txBody>
+      </p:sp>
+      <p:sp>
+        <p:nvSpPr>
+          <p:cNvPr id="8" name="TextBox 7">
+            <a:extLst>
+              <a:ext uri="{FF2B5EF4-FFF2-40B4-BE49-F238E27FC236}">
+                <a16:creationId xmlns:a16="http://schemas.microsoft.com/office/drawing/2014/main" id="{1A82668B-2FEF-CF01-C6AB-FE565F5A2B17}"/>
+              </a:ext>
+            </a:extLst>
+          </p:cNvPr>
+          <p:cNvSpPr txBox="1"/>
+          <p:nvPr/>
+        </p:nvSpPr>
+        <p:spPr>
+          <a:xfrm>
+            <a:off x="-48127" y="3842266"/>
+            <a:ext cx="296876" cy="369332"/>
+          </a:xfrm>
+          <a:prstGeom prst="rect">
+            <a:avLst/>
+          </a:prstGeom>
+          <a:noFill/>
+        </p:spPr>
+        <p:txBody>
+          <a:bodyPr wrap="none" rtlCol="0">
+            <a:spAutoFit/>
+          </a:bodyPr>
+          <a:lstStyle/>
+          <a:p>
+            <a:r>
+              <a:rPr lang="en-AT" b="1" dirty="0"/>
+              <a:t>E</a:t>
+            </a:r>
+          </a:p>
+        </p:txBody>
+      </p:sp>
+      <p:sp>
+        <p:nvSpPr>
+          <p:cNvPr id="9" name="TextBox 8">
+            <a:extLst>
+              <a:ext uri="{FF2B5EF4-FFF2-40B4-BE49-F238E27FC236}">
+                <a16:creationId xmlns:a16="http://schemas.microsoft.com/office/drawing/2014/main" id="{96D1B84B-823B-553C-BBAA-24D69D5D82E8}"/>
+              </a:ext>
+            </a:extLst>
+          </p:cNvPr>
+          <p:cNvSpPr txBox="1"/>
+          <p:nvPr/>
+        </p:nvSpPr>
+        <p:spPr>
+          <a:xfrm>
+            <a:off x="4405829" y="3657600"/>
+            <a:ext cx="290464" cy="369332"/>
+          </a:xfrm>
+          <a:prstGeom prst="rect">
+            <a:avLst/>
+          </a:prstGeom>
+          <a:noFill/>
+        </p:spPr>
+        <p:txBody>
+          <a:bodyPr wrap="none" rtlCol="0">
+            <a:spAutoFit/>
+          </a:bodyPr>
+          <a:lstStyle/>
+          <a:p>
+            <a:r>
+              <a:rPr lang="en-AT" b="1" dirty="0"/>
+              <a:t>F</a:t>
+            </a:r>
+          </a:p>
+        </p:txBody>
+      </p:sp>
+      <p:sp>
+        <p:nvSpPr>
+          <p:cNvPr id="11" name="TextBox 10">
+            <a:extLst>
+              <a:ext uri="{FF2B5EF4-FFF2-40B4-BE49-F238E27FC236}">
+                <a16:creationId xmlns:a16="http://schemas.microsoft.com/office/drawing/2014/main" id="{6FF95F8F-DC82-3C54-6577-7D0F4FBAF470}"/>
+              </a:ext>
+            </a:extLst>
+          </p:cNvPr>
+          <p:cNvSpPr txBox="1"/>
+          <p:nvPr/>
+        </p:nvSpPr>
+        <p:spPr>
+          <a:xfrm>
+            <a:off x="9005236" y="3657600"/>
+            <a:ext cx="330540" cy="369332"/>
+          </a:xfrm>
+          <a:prstGeom prst="rect">
+            <a:avLst/>
+          </a:prstGeom>
+          <a:noFill/>
+        </p:spPr>
+        <p:txBody>
+          <a:bodyPr wrap="none" rtlCol="0">
+            <a:spAutoFit/>
+          </a:bodyPr>
+          <a:lstStyle/>
+          <a:p>
+            <a:r>
+              <a:rPr lang="en-AT" b="1" dirty="0"/>
+              <a:t>G</a:t>
+            </a:r>
+          </a:p>
+        </p:txBody>
+      </p:sp>
     </p:spTree>
     <p:extLst>
       <p:ext uri="{BB962C8B-B14F-4D97-AF65-F5344CB8AC3E}">

--- a/03_combo_figures/ig_2023_08_18_fig_genes.pptx
+++ b/03_combo_figures/ig_2023_08_18_fig_genes.pptx
@@ -7,8 +7,8 @@
   <p:sldIdLst>
     <p:sldId id="258" r:id="rId2"/>
     <p:sldId id="257" r:id="rId3"/>
-    <p:sldId id="259" r:id="rId4"/>
-    <p:sldId id="256" r:id="rId5"/>
+    <p:sldId id="256" r:id="rId4"/>
+    <p:sldId id="259" r:id="rId5"/>
   </p:sldIdLst>
   <p:sldSz cx="18000663" cy="25199975"/>
   <p:notesSz cx="6858000" cy="9144000"/>
@@ -118,7 +118,7 @@
 <file path=ppt/revisionInfo.xml><?xml version="1.0" encoding="utf-8"?>
 <p1510:revInfo xmlns:a="http://schemas.openxmlformats.org/drawingml/2006/main" xmlns:r="http://schemas.openxmlformats.org/officeDocument/2006/relationships" xmlns:p1510="http://schemas.microsoft.com/office/powerpoint/2015/10/main">
   <p1510:revLst>
-    <p1510:client id="{9BA1C2E2-C1C6-0E41-8DB5-E37CFFBFF203}" v="183" dt="2023-10-04T11:03:07.397"/>
+    <p1510:client id="{9BA1C2E2-C1C6-0E41-8DB5-E37CFFBFF203}" v="185" dt="2023-10-04T14:24:53.181"/>
   </p1510:revLst>
 </p1510:revInfo>
 </file>
@@ -785,16 +785,24 @@
   <pc:docChgLst>
     <pc:chgData name="Ann Igolkina" userId="4d1b5d7ddf2bbc78" providerId="LiveId" clId="{9BA1C2E2-C1C6-0E41-8DB5-E37CFFBFF203}"/>
     <pc:docChg chg="undo redo custSel addSld delSld modSld sldOrd">
-      <pc:chgData name="Ann Igolkina" userId="4d1b5d7ddf2bbc78" providerId="LiveId" clId="{9BA1C2E2-C1C6-0E41-8DB5-E37CFFBFF203}" dt="2023-10-04T11:03:45.434" v="1590" actId="1037"/>
+      <pc:chgData name="Ann Igolkina" userId="4d1b5d7ddf2bbc78" providerId="LiveId" clId="{9BA1C2E2-C1C6-0E41-8DB5-E37CFFBFF203}" dt="2023-11-15T12:52:32.547" v="1697" actId="164"/>
       <pc:docMkLst>
         <pc:docMk/>
       </pc:docMkLst>
-      <pc:sldChg chg="addSp delSp modSp mod">
-        <pc:chgData name="Ann Igolkina" userId="4d1b5d7ddf2bbc78" providerId="LiveId" clId="{9BA1C2E2-C1C6-0E41-8DB5-E37CFFBFF203}" dt="2023-09-18T19:08:58.535" v="786" actId="1076"/>
+      <pc:sldChg chg="addSp delSp modSp mod ord">
+        <pc:chgData name="Ann Igolkina" userId="4d1b5d7ddf2bbc78" providerId="LiveId" clId="{9BA1C2E2-C1C6-0E41-8DB5-E37CFFBFF203}" dt="2023-10-04T14:26:23.462" v="1696" actId="20577"/>
         <pc:sldMkLst>
           <pc:docMk/>
           <pc:sldMk cId="3114100624" sldId="256"/>
         </pc:sldMkLst>
+        <pc:spChg chg="add mod">
+          <ac:chgData name="Ann Igolkina" userId="4d1b5d7ddf2bbc78" providerId="LiveId" clId="{9BA1C2E2-C1C6-0E41-8DB5-E37CFFBFF203}" dt="2023-10-04T14:26:23.462" v="1696" actId="20577"/>
+          <ac:spMkLst>
+            <pc:docMk/>
+            <pc:sldMk cId="3114100624" sldId="256"/>
+            <ac:spMk id="6" creationId="{B9C52350-E419-1EA5-07EC-3F84D7E82C9B}"/>
+          </ac:spMkLst>
+        </pc:spChg>
         <pc:picChg chg="add mod">
           <ac:chgData name="Ann Igolkina" userId="4d1b5d7ddf2bbc78" providerId="LiveId" clId="{9BA1C2E2-C1C6-0E41-8DB5-E37CFFBFF203}" dt="2023-09-18T19:07:21.978" v="778" actId="1076"/>
           <ac:picMkLst>
@@ -1363,7 +1371,7 @@
         </pc:sldMkLst>
       </pc:sldChg>
       <pc:sldChg chg="addSp delSp modSp new mod ord">
-        <pc:chgData name="Ann Igolkina" userId="4d1b5d7ddf2bbc78" providerId="LiveId" clId="{9BA1C2E2-C1C6-0E41-8DB5-E37CFFBFF203}" dt="2023-10-04T11:03:45.434" v="1590" actId="1037"/>
+        <pc:chgData name="Ann Igolkina" userId="4d1b5d7ddf2bbc78" providerId="LiveId" clId="{9BA1C2E2-C1C6-0E41-8DB5-E37CFFBFF203}" dt="2023-11-15T12:52:32.547" v="1697" actId="164"/>
         <pc:sldMkLst>
           <pc:docMk/>
           <pc:sldMk cId="3329085091" sldId="258"/>
@@ -1456,6 +1464,14 @@
             <ac:spMk id="13" creationId="{3A8FB6CF-F116-441B-16DB-27CA48F82EDC}"/>
           </ac:spMkLst>
         </pc:spChg>
+        <pc:spChg chg="add mod">
+          <ac:chgData name="Ann Igolkina" userId="4d1b5d7ddf2bbc78" providerId="LiveId" clId="{9BA1C2E2-C1C6-0E41-8DB5-E37CFFBFF203}" dt="2023-10-04T14:07:50.577" v="1659" actId="20577"/>
+          <ac:spMkLst>
+            <pc:docMk/>
+            <pc:sldMk cId="3329085091" sldId="258"/>
+            <ac:spMk id="14" creationId="{76B10504-5023-EA10-B636-01AAD29CCBA8}"/>
+          </ac:spMkLst>
+        </pc:spChg>
         <pc:spChg chg="add del mod">
           <ac:chgData name="Ann Igolkina" userId="4d1b5d7ddf2bbc78" providerId="LiveId" clId="{9BA1C2E2-C1C6-0E41-8DB5-E37CFFBFF203}" dt="2023-09-27T14:17:01.278" v="1299" actId="478"/>
           <ac:spMkLst>
@@ -1560,6 +1576,14 @@
             <ac:grpSpMk id="11" creationId="{94276F6F-31CA-6CBB-FB81-CB399AA9B214}"/>
           </ac:grpSpMkLst>
         </pc:grpChg>
+        <pc:grpChg chg="add">
+          <ac:chgData name="Ann Igolkina" userId="4d1b5d7ddf2bbc78" providerId="LiveId" clId="{9BA1C2E2-C1C6-0E41-8DB5-E37CFFBFF203}" dt="2023-11-15T12:52:32.547" v="1697" actId="164"/>
+          <ac:grpSpMkLst>
+            <pc:docMk/>
+            <pc:sldMk cId="3329085091" sldId="258"/>
+            <ac:grpSpMk id="16" creationId="{2204D083-0DD3-D69D-1A30-B0A77DD9F296}"/>
+          </ac:grpSpMkLst>
+        </pc:grpChg>
         <pc:grpChg chg="del mod">
           <ac:chgData name="Ann Igolkina" userId="4d1b5d7ddf2bbc78" providerId="LiveId" clId="{9BA1C2E2-C1C6-0E41-8DB5-E37CFFBFF203}" dt="2023-09-26T07:25:13.835" v="1203"/>
           <ac:grpSpMkLst>
@@ -2073,7 +2097,7 @@
           </ac:picMkLst>
         </pc:picChg>
         <pc:picChg chg="add mod">
-          <ac:chgData name="Ann Igolkina" userId="4d1b5d7ddf2bbc78" providerId="LiveId" clId="{9BA1C2E2-C1C6-0E41-8DB5-E37CFFBFF203}" dt="2023-09-27T20:12:35.461" v="1525" actId="1076"/>
+          <ac:chgData name="Ann Igolkina" userId="4d1b5d7ddf2bbc78" providerId="LiveId" clId="{9BA1C2E2-C1C6-0E41-8DB5-E37CFFBFF203}" dt="2023-10-04T14:20:33.203" v="1662" actId="1076"/>
           <ac:picMkLst>
             <pc:docMk/>
             <pc:sldMk cId="3329085091" sldId="258"/>
@@ -4020,7 +4044,7 @@
           <a:p>
             <a:fld id="{54B5EF71-3848-8048-B7D2-636D112955BB}" type="datetimeFigureOut">
               <a:rPr lang="en-AT" smtClean="0"/>
-              <a:t>04.10.23</a:t>
+              <a:t>15.11.23</a:t>
             </a:fld>
             <a:endParaRPr lang="en-AT"/>
           </a:p>
@@ -4190,7 +4214,7 @@
           <a:p>
             <a:fld id="{54B5EF71-3848-8048-B7D2-636D112955BB}" type="datetimeFigureOut">
               <a:rPr lang="en-AT" smtClean="0"/>
-              <a:t>04.10.23</a:t>
+              <a:t>15.11.23</a:t>
             </a:fld>
             <a:endParaRPr lang="en-AT"/>
           </a:p>
@@ -4370,7 +4394,7 @@
           <a:p>
             <a:fld id="{54B5EF71-3848-8048-B7D2-636D112955BB}" type="datetimeFigureOut">
               <a:rPr lang="en-AT" smtClean="0"/>
-              <a:t>04.10.23</a:t>
+              <a:t>15.11.23</a:t>
             </a:fld>
             <a:endParaRPr lang="en-AT"/>
           </a:p>
@@ -4540,7 +4564,7 @@
           <a:p>
             <a:fld id="{54B5EF71-3848-8048-B7D2-636D112955BB}" type="datetimeFigureOut">
               <a:rPr lang="en-AT" smtClean="0"/>
-              <a:t>04.10.23</a:t>
+              <a:t>15.11.23</a:t>
             </a:fld>
             <a:endParaRPr lang="en-AT"/>
           </a:p>
@@ -4784,7 +4808,7 @@
           <a:p>
             <a:fld id="{54B5EF71-3848-8048-B7D2-636D112955BB}" type="datetimeFigureOut">
               <a:rPr lang="en-AT" smtClean="0"/>
-              <a:t>04.10.23</a:t>
+              <a:t>15.11.23</a:t>
             </a:fld>
             <a:endParaRPr lang="en-AT"/>
           </a:p>
@@ -5016,7 +5040,7 @@
           <a:p>
             <a:fld id="{54B5EF71-3848-8048-B7D2-636D112955BB}" type="datetimeFigureOut">
               <a:rPr lang="en-AT" smtClean="0"/>
-              <a:t>04.10.23</a:t>
+              <a:t>15.11.23</a:t>
             </a:fld>
             <a:endParaRPr lang="en-AT"/>
           </a:p>
@@ -5383,7 +5407,7 @@
           <a:p>
             <a:fld id="{54B5EF71-3848-8048-B7D2-636D112955BB}" type="datetimeFigureOut">
               <a:rPr lang="en-AT" smtClean="0"/>
-              <a:t>04.10.23</a:t>
+              <a:t>15.11.23</a:t>
             </a:fld>
             <a:endParaRPr lang="en-AT"/>
           </a:p>
@@ -5501,7 +5525,7 @@
           <a:p>
             <a:fld id="{54B5EF71-3848-8048-B7D2-636D112955BB}" type="datetimeFigureOut">
               <a:rPr lang="en-AT" smtClean="0"/>
-              <a:t>04.10.23</a:t>
+              <a:t>15.11.23</a:t>
             </a:fld>
             <a:endParaRPr lang="en-AT"/>
           </a:p>
@@ -5596,7 +5620,7 @@
           <a:p>
             <a:fld id="{54B5EF71-3848-8048-B7D2-636D112955BB}" type="datetimeFigureOut">
               <a:rPr lang="en-AT" smtClean="0"/>
-              <a:t>04.10.23</a:t>
+              <a:t>15.11.23</a:t>
             </a:fld>
             <a:endParaRPr lang="en-AT"/>
           </a:p>
@@ -5873,7 +5897,7 @@
           <a:p>
             <a:fld id="{54B5EF71-3848-8048-B7D2-636D112955BB}" type="datetimeFigureOut">
               <a:rPr lang="en-AT" smtClean="0"/>
-              <a:t>04.10.23</a:t>
+              <a:t>15.11.23</a:t>
             </a:fld>
             <a:endParaRPr lang="en-AT"/>
           </a:p>
@@ -6130,7 +6154,7 @@
           <a:p>
             <a:fld id="{54B5EF71-3848-8048-B7D2-636D112955BB}" type="datetimeFigureOut">
               <a:rPr lang="en-AT" smtClean="0"/>
-              <a:t>04.10.23</a:t>
+              <a:t>15.11.23</a:t>
             </a:fld>
             <a:endParaRPr lang="en-AT"/>
           </a:p>
@@ -6343,7 +6367,7 @@
           <a:p>
             <a:fld id="{54B5EF71-3848-8048-B7D2-636D112955BB}" type="datetimeFigureOut">
               <a:rPr lang="en-AT" smtClean="0"/>
-              <a:t>04.10.23</a:t>
+              <a:t>15.11.23</a:t>
             </a:fld>
             <a:endParaRPr lang="en-AT"/>
           </a:p>
@@ -6748,129 +6772,6 @@
           <a:chExt cx="0" cy="0"/>
         </a:xfrm>
       </p:grpSpPr>
-      <p:pic>
-        <p:nvPicPr>
-          <p:cNvPr id="4" name="Picture 3">
-            <a:extLst>
-              <a:ext uri="{FF2B5EF4-FFF2-40B4-BE49-F238E27FC236}">
-                <a16:creationId xmlns:a16="http://schemas.microsoft.com/office/drawing/2014/main" id="{53292D80-91CC-BB13-27C4-3BD420ABBA19}"/>
-              </a:ext>
-            </a:extLst>
-          </p:cNvPr>
-          <p:cNvPicPr>
-            <a:picLocks noChangeAspect="1"/>
-          </p:cNvPicPr>
-          <p:nvPr/>
-        </p:nvPicPr>
-        <p:blipFill>
-          <a:blip r:embed="rId2"/>
-          <a:stretch>
-            <a:fillRect/>
-          </a:stretch>
-        </p:blipFill>
-        <p:spPr>
-          <a:xfrm>
-            <a:off x="0" y="0"/>
-            <a:ext cx="4572000" cy="3657600"/>
-          </a:xfrm>
-          <a:prstGeom prst="rect">
-            <a:avLst/>
-          </a:prstGeom>
-          <a:ln>
-            <a:noFill/>
-          </a:ln>
-        </p:spPr>
-      </p:pic>
-      <p:pic>
-        <p:nvPicPr>
-          <p:cNvPr id="10" name="Picture 9">
-            <a:extLst>
-              <a:ext uri="{FF2B5EF4-FFF2-40B4-BE49-F238E27FC236}">
-                <a16:creationId xmlns:a16="http://schemas.microsoft.com/office/drawing/2014/main" id="{B5A9F227-244D-2BA8-FFE0-CB3BAD449F8A}"/>
-              </a:ext>
-            </a:extLst>
-          </p:cNvPr>
-          <p:cNvPicPr>
-            <a:picLocks noChangeAspect="1"/>
-          </p:cNvPicPr>
-          <p:nvPr/>
-        </p:nvPicPr>
-        <p:blipFill>
-          <a:blip r:embed="rId3"/>
-          <a:stretch>
-            <a:fillRect/>
-          </a:stretch>
-        </p:blipFill>
-        <p:spPr>
-          <a:xfrm>
-            <a:off x="4572000" y="0"/>
-            <a:ext cx="4572000" cy="3657600"/>
-          </a:xfrm>
-          <a:prstGeom prst="rect">
-            <a:avLst/>
-          </a:prstGeom>
-        </p:spPr>
-      </p:pic>
-      <p:pic>
-        <p:nvPicPr>
-          <p:cNvPr id="32" name="Picture 31">
-            <a:extLst>
-              <a:ext uri="{FF2B5EF4-FFF2-40B4-BE49-F238E27FC236}">
-                <a16:creationId xmlns:a16="http://schemas.microsoft.com/office/drawing/2014/main" id="{DBDC6E48-5BDC-04D6-555B-AA76BFA64679}"/>
-              </a:ext>
-            </a:extLst>
-          </p:cNvPr>
-          <p:cNvPicPr>
-            <a:picLocks noChangeAspect="1"/>
-          </p:cNvPicPr>
-          <p:nvPr/>
-        </p:nvPicPr>
-        <p:blipFill>
-          <a:blip r:embed="rId4"/>
-          <a:stretch>
-            <a:fillRect/>
-          </a:stretch>
-        </p:blipFill>
-        <p:spPr>
-          <a:xfrm>
-            <a:off x="9144000" y="1371600"/>
-            <a:ext cx="2743200" cy="2286000"/>
-          </a:xfrm>
-          <a:prstGeom prst="rect">
-            <a:avLst/>
-          </a:prstGeom>
-        </p:spPr>
-      </p:pic>
-      <p:pic>
-        <p:nvPicPr>
-          <p:cNvPr id="49" name="Picture 48">
-            <a:extLst>
-              <a:ext uri="{FF2B5EF4-FFF2-40B4-BE49-F238E27FC236}">
-                <a16:creationId xmlns:a16="http://schemas.microsoft.com/office/drawing/2014/main" id="{1BAF26D8-A85F-4F54-6890-5F7D6DBBE7A0}"/>
-              </a:ext>
-            </a:extLst>
-          </p:cNvPr>
-          <p:cNvPicPr>
-            <a:picLocks noChangeAspect="1"/>
-          </p:cNvPicPr>
-          <p:nvPr/>
-        </p:nvPicPr>
-        <p:blipFill>
-          <a:blip r:embed="rId5"/>
-          <a:stretch>
-            <a:fillRect/>
-          </a:stretch>
-        </p:blipFill>
-        <p:spPr>
-          <a:xfrm>
-            <a:off x="9144000" y="0"/>
-            <a:ext cx="2743200" cy="1371600"/>
-          </a:xfrm>
-          <a:prstGeom prst="rect">
-            <a:avLst/>
-          </a:prstGeom>
-        </p:spPr>
-      </p:pic>
       <p:sp>
         <p:nvSpPr>
           <p:cNvPr id="3" name="TextBox 2">
@@ -6906,87 +6807,6 @@
           </a:p>
         </p:txBody>
       </p:sp>
-      <p:pic>
-        <p:nvPicPr>
-          <p:cNvPr id="43" name="Picture 42">
-            <a:extLst>
-              <a:ext uri="{FF2B5EF4-FFF2-40B4-BE49-F238E27FC236}">
-                <a16:creationId xmlns:a16="http://schemas.microsoft.com/office/drawing/2014/main" id="{F69FEBE4-ADFF-E01D-482E-C853F7081EF4}"/>
-              </a:ext>
-            </a:extLst>
-          </p:cNvPr>
-          <p:cNvPicPr>
-            <a:picLocks noChangeAspect="1"/>
-          </p:cNvPicPr>
-          <p:nvPr/>
-        </p:nvPicPr>
-        <p:blipFill>
-          <a:blip r:embed="rId6"/>
-          <a:stretch>
-            <a:fillRect/>
-          </a:stretch>
-        </p:blipFill>
-        <p:spPr>
-          <a:xfrm>
-            <a:off x="0" y="6396826"/>
-            <a:ext cx="4572000" cy="3200400"/>
-          </a:xfrm>
-          <a:prstGeom prst="rect">
-            <a:avLst/>
-          </a:prstGeom>
-        </p:spPr>
-      </p:pic>
-      <mc:AlternateContent xmlns:mc="http://schemas.openxmlformats.org/markup-compatibility/2006" xmlns:p14="http://schemas.microsoft.com/office/powerpoint/2010/main">
-        <mc:Choice Requires="p14">
-          <p:contentPart p14:bwMode="auto" r:id="rId7">
-            <p14:nvContentPartPr>
-              <p14:cNvPr id="12" name="Ink 11">
-                <a:extLst>
-                  <a:ext uri="{FF2B5EF4-FFF2-40B4-BE49-F238E27FC236}">
-                    <a16:creationId xmlns:a16="http://schemas.microsoft.com/office/drawing/2014/main" id="{70F2B238-E71E-9929-050F-069D6AC7962A}"/>
-                  </a:ext>
-                </a:extLst>
-              </p14:cNvPr>
-              <p14:cNvContentPartPr/>
-              <p14:nvPr/>
-            </p14:nvContentPartPr>
-            <p14:xfrm>
-              <a:off x="-1847723" y="1201185"/>
-              <a:ext cx="360" cy="360"/>
-            </p14:xfrm>
-          </p:contentPart>
-        </mc:Choice>
-        <mc:Fallback xmlns="">
-          <p:pic>
-            <p:nvPicPr>
-              <p:cNvPr id="12" name="Ink 11">
-                <a:extLst>
-                  <a:ext uri="{FF2B5EF4-FFF2-40B4-BE49-F238E27FC236}">
-                    <a16:creationId xmlns:a16="http://schemas.microsoft.com/office/drawing/2014/main" id="{70F2B238-E71E-9929-050F-069D6AC7962A}"/>
-                  </a:ext>
-                </a:extLst>
-              </p:cNvPr>
-              <p:cNvPicPr/>
-              <p:nvPr/>
-            </p:nvPicPr>
-            <p:blipFill>
-              <a:blip r:embed="rId8"/>
-              <a:stretch>
-                <a:fillRect/>
-              </a:stretch>
-            </p:blipFill>
-            <p:spPr>
-              <a:xfrm>
-                <a:off x="-1856363" y="1192185"/>
-                <a:ext cx="18000" cy="18000"/>
-              </a:xfrm>
-              <a:prstGeom prst="rect">
-                <a:avLst/>
-              </a:prstGeom>
-            </p:spPr>
-          </p:pic>
-        </mc:Fallback>
-      </mc:AlternateContent>
       <p:sp>
         <p:nvSpPr>
           <p:cNvPr id="13" name="TextBox 12">
@@ -7072,35 +6892,6 @@
           </a:p>
         </p:txBody>
       </p:sp>
-      <p:pic>
-        <p:nvPicPr>
-          <p:cNvPr id="15" name="Picture 14">
-            <a:extLst>
-              <a:ext uri="{FF2B5EF4-FFF2-40B4-BE49-F238E27FC236}">
-                <a16:creationId xmlns:a16="http://schemas.microsoft.com/office/drawing/2014/main" id="{D31E7252-898D-7428-587C-BA7317322818}"/>
-              </a:ext>
-            </a:extLst>
-          </p:cNvPr>
-          <p:cNvPicPr>
-            <a:picLocks noChangeAspect="1"/>
-          </p:cNvPicPr>
-          <p:nvPr/>
-        </p:nvPicPr>
-        <p:blipFill rotWithShape="1">
-          <a:blip r:embed="rId9"/>
-          <a:srcRect r="38143"/>
-          <a:stretch/>
-        </p:blipFill>
-        <p:spPr>
-          <a:xfrm>
-            <a:off x="0" y="3657600"/>
-            <a:ext cx="2828131" cy="2743200"/>
-          </a:xfrm>
-          <a:prstGeom prst="rect">
-            <a:avLst/>
-          </a:prstGeom>
-        </p:spPr>
-      </p:pic>
       <p:sp>
         <p:nvSpPr>
           <p:cNvPr id="56" name="TextBox 55">
@@ -7145,101 +6936,600 @@
           </a:p>
         </p:txBody>
       </p:sp>
-      <p:pic>
-        <p:nvPicPr>
-          <p:cNvPr id="73" name="Picture 72">
+      <p:grpSp>
+        <p:nvGrpSpPr>
+          <p:cNvPr id="16" name="Group 15">
             <a:extLst>
               <a:ext uri="{FF2B5EF4-FFF2-40B4-BE49-F238E27FC236}">
-                <a16:creationId xmlns:a16="http://schemas.microsoft.com/office/drawing/2014/main" id="{5D31AF87-C98B-4434-EAD6-AD4FC2F5783B}"/>
+                <a16:creationId xmlns:a16="http://schemas.microsoft.com/office/drawing/2014/main" id="{2204D083-0DD3-D69D-1A30-B0A77DD9F296}"/>
               </a:ext>
             </a:extLst>
           </p:cNvPr>
-          <p:cNvPicPr>
-            <a:picLocks noChangeAspect="1"/>
-          </p:cNvPicPr>
+          <p:cNvGrpSpPr/>
           <p:nvPr/>
-        </p:nvPicPr>
-        <p:blipFill rotWithShape="1">
-          <a:blip r:embed="rId10"/>
-          <a:srcRect l="61858"/>
-          <a:stretch/>
-        </p:blipFill>
-        <p:spPr>
+        </p:nvGrpSpPr>
+        <p:grpSpPr>
           <a:xfrm>
-            <a:off x="2828130" y="3657600"/>
-            <a:ext cx="1743869" cy="2743200"/>
+            <a:off x="-1847723" y="0"/>
+            <a:ext cx="13734923" cy="9457427"/>
+            <a:chOff x="-1847723" y="0"/>
+            <a:chExt cx="13734923" cy="9457427"/>
           </a:xfrm>
-          <a:prstGeom prst="rect">
-            <a:avLst/>
-          </a:prstGeom>
-        </p:spPr>
-      </p:pic>
-      <p:pic>
-        <p:nvPicPr>
-          <p:cNvPr id="78" name="Picture 77">
+        </p:grpSpPr>
+        <p:pic>
+          <p:nvPicPr>
+            <p:cNvPr id="4" name="Picture 3">
+              <a:extLst>
+                <a:ext uri="{FF2B5EF4-FFF2-40B4-BE49-F238E27FC236}">
+                  <a16:creationId xmlns:a16="http://schemas.microsoft.com/office/drawing/2014/main" id="{53292D80-91CC-BB13-27C4-3BD420ABBA19}"/>
+                </a:ext>
+              </a:extLst>
+            </p:cNvPr>
+            <p:cNvPicPr>
+              <a:picLocks noChangeAspect="1"/>
+            </p:cNvPicPr>
+            <p:nvPr/>
+          </p:nvPicPr>
+          <p:blipFill>
+            <a:blip r:embed="rId2"/>
+            <a:stretch>
+              <a:fillRect/>
+            </a:stretch>
+          </p:blipFill>
+          <p:spPr>
+            <a:xfrm>
+              <a:off x="0" y="0"/>
+              <a:ext cx="4572000" cy="3657600"/>
+            </a:xfrm>
+            <a:prstGeom prst="rect">
+              <a:avLst/>
+            </a:prstGeom>
+            <a:ln>
+              <a:noFill/>
+            </a:ln>
+          </p:spPr>
+        </p:pic>
+        <p:pic>
+          <p:nvPicPr>
+            <p:cNvPr id="10" name="Picture 9">
+              <a:extLst>
+                <a:ext uri="{FF2B5EF4-FFF2-40B4-BE49-F238E27FC236}">
+                  <a16:creationId xmlns:a16="http://schemas.microsoft.com/office/drawing/2014/main" id="{B5A9F227-244D-2BA8-FFE0-CB3BAD449F8A}"/>
+                </a:ext>
+              </a:extLst>
+            </p:cNvPr>
+            <p:cNvPicPr>
+              <a:picLocks noChangeAspect="1"/>
+            </p:cNvPicPr>
+            <p:nvPr/>
+          </p:nvPicPr>
+          <p:blipFill>
+            <a:blip r:embed="rId3"/>
+            <a:stretch>
+              <a:fillRect/>
+            </a:stretch>
+          </p:blipFill>
+          <p:spPr>
+            <a:xfrm>
+              <a:off x="4572000" y="0"/>
+              <a:ext cx="4572000" cy="3657600"/>
+            </a:xfrm>
+            <a:prstGeom prst="rect">
+              <a:avLst/>
+            </a:prstGeom>
+          </p:spPr>
+        </p:pic>
+        <p:pic>
+          <p:nvPicPr>
+            <p:cNvPr id="32" name="Picture 31">
+              <a:extLst>
+                <a:ext uri="{FF2B5EF4-FFF2-40B4-BE49-F238E27FC236}">
+                  <a16:creationId xmlns:a16="http://schemas.microsoft.com/office/drawing/2014/main" id="{DBDC6E48-5BDC-04D6-555B-AA76BFA64679}"/>
+                </a:ext>
+              </a:extLst>
+            </p:cNvPr>
+            <p:cNvPicPr>
+              <a:picLocks noChangeAspect="1"/>
+            </p:cNvPicPr>
+            <p:nvPr/>
+          </p:nvPicPr>
+          <p:blipFill>
+            <a:blip r:embed="rId4"/>
+            <a:stretch>
+              <a:fillRect/>
+            </a:stretch>
+          </p:blipFill>
+          <p:spPr>
+            <a:xfrm>
+              <a:off x="9144000" y="1371600"/>
+              <a:ext cx="2743200" cy="2286000"/>
+            </a:xfrm>
+            <a:prstGeom prst="rect">
+              <a:avLst/>
+            </a:prstGeom>
+          </p:spPr>
+        </p:pic>
+        <p:pic>
+          <p:nvPicPr>
+            <p:cNvPr id="49" name="Picture 48">
+              <a:extLst>
+                <a:ext uri="{FF2B5EF4-FFF2-40B4-BE49-F238E27FC236}">
+                  <a16:creationId xmlns:a16="http://schemas.microsoft.com/office/drawing/2014/main" id="{1BAF26D8-A85F-4F54-6890-5F7D6DBBE7A0}"/>
+                </a:ext>
+              </a:extLst>
+            </p:cNvPr>
+            <p:cNvPicPr>
+              <a:picLocks noChangeAspect="1"/>
+            </p:cNvPicPr>
+            <p:nvPr/>
+          </p:nvPicPr>
+          <p:blipFill>
+            <a:blip r:embed="rId5"/>
+            <a:stretch>
+              <a:fillRect/>
+            </a:stretch>
+          </p:blipFill>
+          <p:spPr>
+            <a:xfrm>
+              <a:off x="9144000" y="0"/>
+              <a:ext cx="2743200" cy="1371600"/>
+            </a:xfrm>
+            <a:prstGeom prst="rect">
+              <a:avLst/>
+            </a:prstGeom>
+          </p:spPr>
+        </p:pic>
+        <p:pic>
+          <p:nvPicPr>
+            <p:cNvPr id="43" name="Picture 42">
+              <a:extLst>
+                <a:ext uri="{FF2B5EF4-FFF2-40B4-BE49-F238E27FC236}">
+                  <a16:creationId xmlns:a16="http://schemas.microsoft.com/office/drawing/2014/main" id="{F69FEBE4-ADFF-E01D-482E-C853F7081EF4}"/>
+                </a:ext>
+              </a:extLst>
+            </p:cNvPr>
+            <p:cNvPicPr>
+              <a:picLocks noChangeAspect="1"/>
+            </p:cNvPicPr>
+            <p:nvPr/>
+          </p:nvPicPr>
+          <p:blipFill>
+            <a:blip r:embed="rId6"/>
+            <a:stretch>
+              <a:fillRect/>
+            </a:stretch>
+          </p:blipFill>
+          <p:spPr>
+            <a:xfrm>
+              <a:off x="-3657" y="6257027"/>
+              <a:ext cx="4572000" cy="3200400"/>
+            </a:xfrm>
+            <a:prstGeom prst="rect">
+              <a:avLst/>
+            </a:prstGeom>
+          </p:spPr>
+        </p:pic>
+        <mc:AlternateContent xmlns:mc="http://schemas.openxmlformats.org/markup-compatibility/2006">
+          <mc:Choice xmlns:p14="http://schemas.microsoft.com/office/powerpoint/2010/main" Requires="p14">
+            <p:contentPart p14:bwMode="auto" r:id="rId7">
+              <p14:nvContentPartPr>
+                <p14:cNvPr id="12" name="Ink 11">
+                  <a:extLst>
+                    <a:ext uri="{FF2B5EF4-FFF2-40B4-BE49-F238E27FC236}">
+                      <a16:creationId xmlns:a16="http://schemas.microsoft.com/office/drawing/2014/main" id="{70F2B238-E71E-9929-050F-069D6AC7962A}"/>
+                    </a:ext>
+                  </a:extLst>
+                </p14:cNvPr>
+                <p14:cNvContentPartPr/>
+                <p14:nvPr/>
+              </p14:nvContentPartPr>
+              <p14:xfrm>
+                <a:off x="-1847723" y="1201185"/>
+                <a:ext cx="360" cy="360"/>
+              </p14:xfrm>
+            </p:contentPart>
+          </mc:Choice>
+          <mc:Fallback>
+            <p:pic>
+              <p:nvPicPr>
+                <p:cNvPr id="12" name="Ink 11">
+                  <a:extLst>
+                    <a:ext uri="{FF2B5EF4-FFF2-40B4-BE49-F238E27FC236}">
+                      <a16:creationId xmlns:a16="http://schemas.microsoft.com/office/drawing/2014/main" id="{70F2B238-E71E-9929-050F-069D6AC7962A}"/>
+                    </a:ext>
+                  </a:extLst>
+                </p:cNvPr>
+                <p:cNvPicPr/>
+                <p:nvPr/>
+              </p:nvPicPr>
+              <p:blipFill>
+                <a:blip r:embed="rId8"/>
+                <a:stretch>
+                  <a:fillRect/>
+                </a:stretch>
+              </p:blipFill>
+              <p:spPr>
+                <a:xfrm>
+                  <a:off x="-1856723" y="1192185"/>
+                  <a:ext cx="18000" cy="18000"/>
+                </a:xfrm>
+                <a:prstGeom prst="rect">
+                  <a:avLst/>
+                </a:prstGeom>
+              </p:spPr>
+            </p:pic>
+          </mc:Fallback>
+        </mc:AlternateContent>
+        <p:pic>
+          <p:nvPicPr>
+            <p:cNvPr id="15" name="Picture 14">
+              <a:extLst>
+                <a:ext uri="{FF2B5EF4-FFF2-40B4-BE49-F238E27FC236}">
+                  <a16:creationId xmlns:a16="http://schemas.microsoft.com/office/drawing/2014/main" id="{D31E7252-898D-7428-587C-BA7317322818}"/>
+                </a:ext>
+              </a:extLst>
+            </p:cNvPr>
+            <p:cNvPicPr>
+              <a:picLocks noChangeAspect="1"/>
+            </p:cNvPicPr>
+            <p:nvPr/>
+          </p:nvPicPr>
+          <p:blipFill rotWithShape="1">
+            <a:blip r:embed="rId9"/>
+            <a:srcRect r="38143"/>
+            <a:stretch/>
+          </p:blipFill>
+          <p:spPr>
+            <a:xfrm>
+              <a:off x="0" y="3657600"/>
+              <a:ext cx="2828131" cy="2743200"/>
+            </a:xfrm>
+            <a:prstGeom prst="rect">
+              <a:avLst/>
+            </a:prstGeom>
+          </p:spPr>
+        </p:pic>
+        <p:pic>
+          <p:nvPicPr>
+            <p:cNvPr id="73" name="Picture 72">
+              <a:extLst>
+                <a:ext uri="{FF2B5EF4-FFF2-40B4-BE49-F238E27FC236}">
+                  <a16:creationId xmlns:a16="http://schemas.microsoft.com/office/drawing/2014/main" id="{5D31AF87-C98B-4434-EAD6-AD4FC2F5783B}"/>
+                </a:ext>
+              </a:extLst>
+            </p:cNvPr>
+            <p:cNvPicPr>
+              <a:picLocks noChangeAspect="1"/>
+            </p:cNvPicPr>
+            <p:nvPr/>
+          </p:nvPicPr>
+          <p:blipFill rotWithShape="1">
+            <a:blip r:embed="rId10"/>
+            <a:srcRect l="61858"/>
+            <a:stretch/>
+          </p:blipFill>
+          <p:spPr>
+            <a:xfrm>
+              <a:off x="2828130" y="3657600"/>
+              <a:ext cx="1743869" cy="2743200"/>
+            </a:xfrm>
+            <a:prstGeom prst="rect">
+              <a:avLst/>
+            </a:prstGeom>
+          </p:spPr>
+        </p:pic>
+        <p:pic>
+          <p:nvPicPr>
+            <p:cNvPr id="78" name="Picture 77">
+              <a:extLst>
+                <a:ext uri="{FF2B5EF4-FFF2-40B4-BE49-F238E27FC236}">
+                  <a16:creationId xmlns:a16="http://schemas.microsoft.com/office/drawing/2014/main" id="{B7D42480-A523-C351-D7AF-F95A78881A66}"/>
+                </a:ext>
+              </a:extLst>
+            </p:cNvPr>
+            <p:cNvPicPr>
+              <a:picLocks noChangeAspect="1"/>
+            </p:cNvPicPr>
+            <p:nvPr/>
+          </p:nvPicPr>
+          <p:blipFill>
+            <a:blip r:embed="rId11"/>
+            <a:stretch>
+              <a:fillRect/>
+            </a:stretch>
+          </p:blipFill>
+          <p:spPr>
+            <a:xfrm>
+              <a:off x="9143999" y="3653626"/>
+              <a:ext cx="2743200" cy="2743200"/>
+            </a:xfrm>
+            <a:prstGeom prst="rect">
+              <a:avLst/>
+            </a:prstGeom>
+          </p:spPr>
+        </p:pic>
+        <p:pic>
+          <p:nvPicPr>
+            <p:cNvPr id="82" name="Picture 81">
+              <a:extLst>
+                <a:ext uri="{FF2B5EF4-FFF2-40B4-BE49-F238E27FC236}">
+                  <a16:creationId xmlns:a16="http://schemas.microsoft.com/office/drawing/2014/main" id="{C101A43B-13EC-DF47-772C-E8413BB7286B}"/>
+                </a:ext>
+              </a:extLst>
+            </p:cNvPr>
+            <p:cNvPicPr>
+              <a:picLocks noChangeAspect="1"/>
+            </p:cNvPicPr>
+            <p:nvPr/>
+          </p:nvPicPr>
+          <p:blipFill>
+            <a:blip r:embed="rId12"/>
+            <a:stretch>
+              <a:fillRect/>
+            </a:stretch>
+          </p:blipFill>
+          <p:spPr>
+            <a:xfrm>
+              <a:off x="4568343" y="3653626"/>
+              <a:ext cx="4572000" cy="2743200"/>
+            </a:xfrm>
+            <a:prstGeom prst="rect">
+              <a:avLst/>
+            </a:prstGeom>
+          </p:spPr>
+        </p:pic>
+        <p:sp>
+          <p:nvSpPr>
+            <p:cNvPr id="2" name="TextBox 1">
+              <a:extLst>
+                <a:ext uri="{FF2B5EF4-FFF2-40B4-BE49-F238E27FC236}">
+                  <a16:creationId xmlns:a16="http://schemas.microsoft.com/office/drawing/2014/main" id="{9CE328B0-94CB-2A7C-11DF-B02A8801D0CA}"/>
+                </a:ext>
+              </a:extLst>
+            </p:cNvPr>
+            <p:cNvSpPr txBox="1"/>
+            <p:nvPr/>
+          </p:nvSpPr>
+          <p:spPr>
+            <a:xfrm>
+              <a:off x="-48127" y="0"/>
+              <a:ext cx="324128" cy="369332"/>
+            </a:xfrm>
+            <a:prstGeom prst="rect">
+              <a:avLst/>
+            </a:prstGeom>
+            <a:noFill/>
+          </p:spPr>
+          <p:txBody>
+            <a:bodyPr wrap="none" rtlCol="0">
+              <a:spAutoFit/>
+            </a:bodyPr>
+            <a:lstStyle/>
+            <a:p>
+              <a:r>
+                <a:rPr lang="en-AT" b="1" dirty="0"/>
+                <a:t>A</a:t>
+              </a:r>
+            </a:p>
+          </p:txBody>
+        </p:sp>
+        <p:sp>
+          <p:nvSpPr>
+            <p:cNvPr id="5" name="TextBox 4">
+              <a:extLst>
+                <a:ext uri="{FF2B5EF4-FFF2-40B4-BE49-F238E27FC236}">
+                  <a16:creationId xmlns:a16="http://schemas.microsoft.com/office/drawing/2014/main" id="{AC01D5F3-DD32-B68C-CF19-CFEA18D38D67}"/>
+                </a:ext>
+              </a:extLst>
+            </p:cNvPr>
+            <p:cNvSpPr txBox="1"/>
+            <p:nvPr/>
+          </p:nvSpPr>
+          <p:spPr>
+            <a:xfrm>
+              <a:off x="4557572" y="0"/>
+              <a:ext cx="314510" cy="369332"/>
+            </a:xfrm>
+            <a:prstGeom prst="rect">
+              <a:avLst/>
+            </a:prstGeom>
+            <a:noFill/>
+          </p:spPr>
+          <p:txBody>
+            <a:bodyPr wrap="none" rtlCol="0">
+              <a:spAutoFit/>
+            </a:bodyPr>
+            <a:lstStyle/>
+            <a:p>
+              <a:r>
+                <a:rPr lang="en-AT" b="1" dirty="0"/>
+                <a:t>B</a:t>
+              </a:r>
+            </a:p>
+          </p:txBody>
+        </p:sp>
+        <p:sp>
+          <p:nvSpPr>
+            <p:cNvPr id="6" name="TextBox 5">
+              <a:extLst>
+                <a:ext uri="{FF2B5EF4-FFF2-40B4-BE49-F238E27FC236}">
+                  <a16:creationId xmlns:a16="http://schemas.microsoft.com/office/drawing/2014/main" id="{6178E5C0-60DE-8A74-9037-E6CC8D60F169}"/>
+                </a:ext>
+              </a:extLst>
+            </p:cNvPr>
+            <p:cNvSpPr txBox="1"/>
+            <p:nvPr/>
+          </p:nvSpPr>
+          <p:spPr>
+            <a:xfrm>
+              <a:off x="8952610" y="0"/>
+              <a:ext cx="308098" cy="369332"/>
+            </a:xfrm>
+            <a:prstGeom prst="rect">
+              <a:avLst/>
+            </a:prstGeom>
+            <a:noFill/>
+          </p:spPr>
+          <p:txBody>
+            <a:bodyPr wrap="none" rtlCol="0">
+              <a:spAutoFit/>
+            </a:bodyPr>
+            <a:lstStyle/>
+            <a:p>
+              <a:r>
+                <a:rPr lang="en-AT" b="1" dirty="0"/>
+                <a:t>C</a:t>
+              </a:r>
+            </a:p>
+          </p:txBody>
+        </p:sp>
+        <p:sp>
+          <p:nvSpPr>
+            <p:cNvPr id="7" name="TextBox 6">
+              <a:extLst>
+                <a:ext uri="{FF2B5EF4-FFF2-40B4-BE49-F238E27FC236}">
+                  <a16:creationId xmlns:a16="http://schemas.microsoft.com/office/drawing/2014/main" id="{E92FBE56-7BFB-959D-0CB6-C99AC56EDD30}"/>
+                </a:ext>
+              </a:extLst>
+            </p:cNvPr>
+            <p:cNvSpPr txBox="1"/>
+            <p:nvPr/>
+          </p:nvSpPr>
+          <p:spPr>
+            <a:xfrm>
+              <a:off x="8975002" y="1188921"/>
+              <a:ext cx="330540" cy="369332"/>
+            </a:xfrm>
+            <a:prstGeom prst="rect">
+              <a:avLst/>
+            </a:prstGeom>
+            <a:noFill/>
+          </p:spPr>
+          <p:txBody>
+            <a:bodyPr wrap="none" rtlCol="0">
+              <a:spAutoFit/>
+            </a:bodyPr>
+            <a:lstStyle/>
+            <a:p>
+              <a:r>
+                <a:rPr lang="en-AT" b="1" dirty="0"/>
+                <a:t>D</a:t>
+              </a:r>
+            </a:p>
+          </p:txBody>
+        </p:sp>
+        <p:sp>
+          <p:nvSpPr>
+            <p:cNvPr id="8" name="TextBox 7">
+              <a:extLst>
+                <a:ext uri="{FF2B5EF4-FFF2-40B4-BE49-F238E27FC236}">
+                  <a16:creationId xmlns:a16="http://schemas.microsoft.com/office/drawing/2014/main" id="{1A82668B-2FEF-CF01-C6AB-FE565F5A2B17}"/>
+                </a:ext>
+              </a:extLst>
+            </p:cNvPr>
+            <p:cNvSpPr txBox="1"/>
+            <p:nvPr/>
+          </p:nvSpPr>
+          <p:spPr>
+            <a:xfrm>
+              <a:off x="-48127" y="3842266"/>
+              <a:ext cx="296876" cy="369332"/>
+            </a:xfrm>
+            <a:prstGeom prst="rect">
+              <a:avLst/>
+            </a:prstGeom>
+            <a:noFill/>
+          </p:spPr>
+          <p:txBody>
+            <a:bodyPr wrap="none" rtlCol="0">
+              <a:spAutoFit/>
+            </a:bodyPr>
+            <a:lstStyle/>
+            <a:p>
+              <a:r>
+                <a:rPr lang="en-AT" b="1" dirty="0"/>
+                <a:t>E</a:t>
+              </a:r>
+            </a:p>
+          </p:txBody>
+        </p:sp>
+        <p:sp>
+          <p:nvSpPr>
+            <p:cNvPr id="9" name="TextBox 8">
+              <a:extLst>
+                <a:ext uri="{FF2B5EF4-FFF2-40B4-BE49-F238E27FC236}">
+                  <a16:creationId xmlns:a16="http://schemas.microsoft.com/office/drawing/2014/main" id="{96D1B84B-823B-553C-BBAA-24D69D5D82E8}"/>
+                </a:ext>
+              </a:extLst>
+            </p:cNvPr>
+            <p:cNvSpPr txBox="1"/>
+            <p:nvPr/>
+          </p:nvSpPr>
+          <p:spPr>
+            <a:xfrm>
+              <a:off x="4405829" y="3657600"/>
+              <a:ext cx="290464" cy="369332"/>
+            </a:xfrm>
+            <a:prstGeom prst="rect">
+              <a:avLst/>
+            </a:prstGeom>
+            <a:noFill/>
+          </p:spPr>
+          <p:txBody>
+            <a:bodyPr wrap="none" rtlCol="0">
+              <a:spAutoFit/>
+            </a:bodyPr>
+            <a:lstStyle/>
+            <a:p>
+              <a:r>
+                <a:rPr lang="en-AT" b="1" dirty="0"/>
+                <a:t>F</a:t>
+              </a:r>
+            </a:p>
+          </p:txBody>
+        </p:sp>
+        <p:sp>
+          <p:nvSpPr>
+            <p:cNvPr id="11" name="TextBox 10">
+              <a:extLst>
+                <a:ext uri="{FF2B5EF4-FFF2-40B4-BE49-F238E27FC236}">
+                  <a16:creationId xmlns:a16="http://schemas.microsoft.com/office/drawing/2014/main" id="{6FF95F8F-DC82-3C54-6577-7D0F4FBAF470}"/>
+                </a:ext>
+              </a:extLst>
+            </p:cNvPr>
+            <p:cNvSpPr txBox="1"/>
+            <p:nvPr/>
+          </p:nvSpPr>
+          <p:spPr>
+            <a:xfrm>
+              <a:off x="9005236" y="3657600"/>
+              <a:ext cx="330540" cy="369332"/>
+            </a:xfrm>
+            <a:prstGeom prst="rect">
+              <a:avLst/>
+            </a:prstGeom>
+            <a:noFill/>
+          </p:spPr>
+          <p:txBody>
+            <a:bodyPr wrap="none" rtlCol="0">
+              <a:spAutoFit/>
+            </a:bodyPr>
+            <a:lstStyle/>
+            <a:p>
+              <a:r>
+                <a:rPr lang="en-AT" b="1" dirty="0"/>
+                <a:t>G</a:t>
+              </a:r>
+            </a:p>
+          </p:txBody>
+        </p:sp>
+      </p:grpSp>
+      <p:sp>
+        <p:nvSpPr>
+          <p:cNvPr id="14" name="TextBox 13">
             <a:extLst>
               <a:ext uri="{FF2B5EF4-FFF2-40B4-BE49-F238E27FC236}">
-                <a16:creationId xmlns:a16="http://schemas.microsoft.com/office/drawing/2014/main" id="{B7D42480-A523-C351-D7AF-F95A78881A66}"/>
-              </a:ext>
-            </a:extLst>
-          </p:cNvPr>
-          <p:cNvPicPr>
-            <a:picLocks noChangeAspect="1"/>
-          </p:cNvPicPr>
-          <p:nvPr/>
-        </p:nvPicPr>
-        <p:blipFill>
-          <a:blip r:embed="rId11"/>
-          <a:stretch>
-            <a:fillRect/>
-          </a:stretch>
-        </p:blipFill>
-        <p:spPr>
-          <a:xfrm>
-            <a:off x="9143999" y="3653626"/>
-            <a:ext cx="2743200" cy="2743200"/>
-          </a:xfrm>
-          <a:prstGeom prst="rect">
-            <a:avLst/>
-          </a:prstGeom>
-        </p:spPr>
-      </p:pic>
-      <p:pic>
-        <p:nvPicPr>
-          <p:cNvPr id="82" name="Picture 81">
-            <a:extLst>
-              <a:ext uri="{FF2B5EF4-FFF2-40B4-BE49-F238E27FC236}">
-                <a16:creationId xmlns:a16="http://schemas.microsoft.com/office/drawing/2014/main" id="{C101A43B-13EC-DF47-772C-E8413BB7286B}"/>
-              </a:ext>
-            </a:extLst>
-          </p:cNvPr>
-          <p:cNvPicPr>
-            <a:picLocks noChangeAspect="1"/>
-          </p:cNvPicPr>
-          <p:nvPr/>
-        </p:nvPicPr>
-        <p:blipFill>
-          <a:blip r:embed="rId12"/>
-          <a:stretch>
-            <a:fillRect/>
-          </a:stretch>
-        </p:blipFill>
-        <p:spPr>
-          <a:xfrm>
-            <a:off x="4568343" y="3653626"/>
-            <a:ext cx="4572000" cy="2743200"/>
-          </a:xfrm>
-          <a:prstGeom prst="rect">
-            <a:avLst/>
-          </a:prstGeom>
-        </p:spPr>
-      </p:pic>
-      <p:sp>
-        <p:nvSpPr>
-          <p:cNvPr id="2" name="TextBox 1">
-            <a:extLst>
-              <a:ext uri="{FF2B5EF4-FFF2-40B4-BE49-F238E27FC236}">
-                <a16:creationId xmlns:a16="http://schemas.microsoft.com/office/drawing/2014/main" id="{9CE328B0-94CB-2A7C-11DF-B02A8801D0CA}"/>
+                <a16:creationId xmlns:a16="http://schemas.microsoft.com/office/drawing/2014/main" id="{76B10504-5023-EA10-B636-01AAD29CCBA8}"/>
               </a:ext>
             </a:extLst>
           </p:cNvPr>
@@ -7248,8 +7538,8 @@
         </p:nvSpPr>
         <p:spPr>
           <a:xfrm>
-            <a:off x="-48127" y="0"/>
-            <a:ext cx="324128" cy="369332"/>
+            <a:off x="5813574" y="7615036"/>
+            <a:ext cx="2543838" cy="2031325"/>
           </a:xfrm>
           <a:prstGeom prst="rect">
             <a:avLst/>
@@ -7262,219 +7552,39 @@
           </a:bodyPr>
           <a:lstStyle/>
           <a:p>
+            <a:endParaRPr lang="en-AT" dirty="0"/>
+          </a:p>
+          <a:p>
             <a:r>
-              <a:rPr lang="en-AT" b="1" dirty="0"/>
-              <a:t>A</a:t>
+              <a:rPr lang="en-AT" dirty="0"/>
+              <a:t>saturation?</a:t>
             </a:r>
           </a:p>
-        </p:txBody>
-      </p:sp>
-      <p:sp>
-        <p:nvSpPr>
-          <p:cNvPr id="5" name="TextBox 4">
-            <a:extLst>
-              <a:ext uri="{FF2B5EF4-FFF2-40B4-BE49-F238E27FC236}">
-                <a16:creationId xmlns:a16="http://schemas.microsoft.com/office/drawing/2014/main" id="{AC01D5F3-DD32-B68C-CF19-CFEA18D38D67}"/>
-              </a:ext>
-            </a:extLst>
-          </p:cNvPr>
-          <p:cNvSpPr txBox="1"/>
-          <p:nvPr/>
-        </p:nvSpPr>
-        <p:spPr>
-          <a:xfrm>
-            <a:off x="4557572" y="0"/>
-            <a:ext cx="314510" cy="369332"/>
-          </a:xfrm>
-          <a:prstGeom prst="rect">
-            <a:avLst/>
-          </a:prstGeom>
-          <a:noFill/>
-        </p:spPr>
-        <p:txBody>
-          <a:bodyPr wrap="none" rtlCol="0">
-            <a:spAutoFit/>
-          </a:bodyPr>
-          <a:lstStyle/>
           <a:p>
             <a:r>
-              <a:rPr lang="en-AT" b="1" dirty="0"/>
-              <a:t>B</a:t>
+              <a:rPr lang="en-AT" dirty="0"/>
+              <a:t>SVs</a:t>
             </a:r>
           </a:p>
-        </p:txBody>
-      </p:sp>
-      <p:sp>
-        <p:nvSpPr>
-          <p:cNvPr id="6" name="TextBox 5">
-            <a:extLst>
-              <a:ext uri="{FF2B5EF4-FFF2-40B4-BE49-F238E27FC236}">
-                <a16:creationId xmlns:a16="http://schemas.microsoft.com/office/drawing/2014/main" id="{6178E5C0-60DE-8A74-9037-E6CC8D60F169}"/>
-              </a:ext>
-            </a:extLst>
-          </p:cNvPr>
-          <p:cNvSpPr txBox="1"/>
-          <p:nvPr/>
-        </p:nvSpPr>
-        <p:spPr>
-          <a:xfrm>
-            <a:off x="8952610" y="0"/>
-            <a:ext cx="308098" cy="369332"/>
-          </a:xfrm>
-          <a:prstGeom prst="rect">
-            <a:avLst/>
-          </a:prstGeom>
-          <a:noFill/>
-        </p:spPr>
-        <p:txBody>
-          <a:bodyPr wrap="none" rtlCol="0">
-            <a:spAutoFit/>
-          </a:bodyPr>
-          <a:lstStyle/>
           <a:p>
             <a:r>
-              <a:rPr lang="en-AT" b="1" dirty="0"/>
-              <a:t>C</a:t>
+              <a:rPr lang="en-AT" dirty="0"/>
+              <a:t>genes</a:t>
             </a:r>
           </a:p>
-        </p:txBody>
-      </p:sp>
-      <p:sp>
-        <p:nvSpPr>
-          <p:cNvPr id="7" name="TextBox 6">
-            <a:extLst>
-              <a:ext uri="{FF2B5EF4-FFF2-40B4-BE49-F238E27FC236}">
-                <a16:creationId xmlns:a16="http://schemas.microsoft.com/office/drawing/2014/main" id="{E92FBE56-7BFB-959D-0CB6-C99AC56EDD30}"/>
-              </a:ext>
-            </a:extLst>
-          </p:cNvPr>
-          <p:cNvSpPr txBox="1"/>
-          <p:nvPr/>
-        </p:nvSpPr>
-        <p:spPr>
-          <a:xfrm>
-            <a:off x="8975002" y="1188921"/>
-            <a:ext cx="330540" cy="369332"/>
-          </a:xfrm>
-          <a:prstGeom prst="rect">
-            <a:avLst/>
-          </a:prstGeom>
-          <a:noFill/>
-        </p:spPr>
-        <p:txBody>
-          <a:bodyPr wrap="none" rtlCol="0">
-            <a:spAutoFit/>
-          </a:bodyPr>
-          <a:lstStyle/>
           <a:p>
             <a:r>
-              <a:rPr lang="en-AT" b="1" dirty="0"/>
-              <a:t>D</a:t>
+              <a:rPr lang="en-AT" dirty="0"/>
+              <a:t>unique genes</a:t>
             </a:r>
           </a:p>
-        </p:txBody>
-      </p:sp>
-      <p:sp>
-        <p:nvSpPr>
-          <p:cNvPr id="8" name="TextBox 7">
-            <a:extLst>
-              <a:ext uri="{FF2B5EF4-FFF2-40B4-BE49-F238E27FC236}">
-                <a16:creationId xmlns:a16="http://schemas.microsoft.com/office/drawing/2014/main" id="{1A82668B-2FEF-CF01-C6AB-FE565F5A2B17}"/>
-              </a:ext>
-            </a:extLst>
-          </p:cNvPr>
-          <p:cNvSpPr txBox="1"/>
-          <p:nvPr/>
-        </p:nvSpPr>
-        <p:spPr>
-          <a:xfrm>
-            <a:off x="-48127" y="3842266"/>
-            <a:ext cx="296876" cy="369332"/>
-          </a:xfrm>
-          <a:prstGeom prst="rect">
-            <a:avLst/>
-          </a:prstGeom>
-          <a:noFill/>
-        </p:spPr>
-        <p:txBody>
-          <a:bodyPr wrap="none" rtlCol="0">
-            <a:spAutoFit/>
-          </a:bodyPr>
-          <a:lstStyle/>
+          <a:p>
+            <a:endParaRPr lang="en-AT" dirty="0"/>
+          </a:p>
           <a:p>
             <a:r>
-              <a:rPr lang="en-AT" b="1" dirty="0"/>
-              <a:t>E</a:t>
-            </a:r>
-          </a:p>
-        </p:txBody>
-      </p:sp>
-      <p:sp>
-        <p:nvSpPr>
-          <p:cNvPr id="9" name="TextBox 8">
-            <a:extLst>
-              <a:ext uri="{FF2B5EF4-FFF2-40B4-BE49-F238E27FC236}">
-                <a16:creationId xmlns:a16="http://schemas.microsoft.com/office/drawing/2014/main" id="{96D1B84B-823B-553C-BBAA-24D69D5D82E8}"/>
-              </a:ext>
-            </a:extLst>
-          </p:cNvPr>
-          <p:cNvSpPr txBox="1"/>
-          <p:nvPr/>
-        </p:nvSpPr>
-        <p:spPr>
-          <a:xfrm>
-            <a:off x="4405829" y="3657600"/>
-            <a:ext cx="290464" cy="369332"/>
-          </a:xfrm>
-          <a:prstGeom prst="rect">
-            <a:avLst/>
-          </a:prstGeom>
-          <a:noFill/>
-        </p:spPr>
-        <p:txBody>
-          <a:bodyPr wrap="none" rtlCol="0">
-            <a:spAutoFit/>
-          </a:bodyPr>
-          <a:lstStyle/>
-          <a:p>
-            <a:r>
-              <a:rPr lang="en-AT" b="1" dirty="0"/>
-              <a:t>F</a:t>
-            </a:r>
-          </a:p>
-        </p:txBody>
-      </p:sp>
-      <p:sp>
-        <p:nvSpPr>
-          <p:cNvPr id="11" name="TextBox 10">
-            <a:extLst>
-              <a:ext uri="{FF2B5EF4-FFF2-40B4-BE49-F238E27FC236}">
-                <a16:creationId xmlns:a16="http://schemas.microsoft.com/office/drawing/2014/main" id="{6FF95F8F-DC82-3C54-6577-7D0F4FBAF470}"/>
-              </a:ext>
-            </a:extLst>
-          </p:cNvPr>
-          <p:cNvSpPr txBox="1"/>
-          <p:nvPr/>
-        </p:nvSpPr>
-        <p:spPr>
-          <a:xfrm>
-            <a:off x="9005236" y="3657600"/>
-            <a:ext cx="330540" cy="369332"/>
-          </a:xfrm>
-          <a:prstGeom prst="rect">
-            <a:avLst/>
-          </a:prstGeom>
-          <a:noFill/>
-        </p:spPr>
-        <p:txBody>
-          <a:bodyPr wrap="none" rtlCol="0">
-            <a:spAutoFit/>
-          </a:bodyPr>
-          <a:lstStyle/>
-          <a:p>
-            <a:r>
-              <a:rPr lang="en-AT" b="1" dirty="0"/>
-              <a:t>G</a:t>
+              <a:rPr lang="en-AT" dirty="0"/>
+              <a:t>consider Haim categories</a:t>
             </a:r>
           </a:p>
         </p:txBody>
@@ -8363,6 +8473,350 @@
 </file>
 
 <file path=ppt/slides/slide3.xml><?xml version="1.0" encoding="utf-8"?>
+<p:sld xmlns:a="http://schemas.openxmlformats.org/drawingml/2006/main" xmlns:r="http://schemas.openxmlformats.org/officeDocument/2006/relationships" xmlns:p="http://schemas.openxmlformats.org/presentationml/2006/main">
+  <p:cSld>
+    <p:spTree>
+      <p:nvGrpSpPr>
+        <p:cNvPr id="1" name=""/>
+        <p:cNvGrpSpPr/>
+        <p:nvPr/>
+      </p:nvGrpSpPr>
+      <p:grpSpPr>
+        <a:xfrm>
+          <a:off x="0" y="0"/>
+          <a:ext cx="0" cy="0"/>
+          <a:chOff x="0" y="0"/>
+          <a:chExt cx="0" cy="0"/>
+        </a:xfrm>
+      </p:grpSpPr>
+      <p:pic>
+        <p:nvPicPr>
+          <p:cNvPr id="2" name="Picture 1">
+            <a:extLst>
+              <a:ext uri="{FF2B5EF4-FFF2-40B4-BE49-F238E27FC236}">
+                <a16:creationId xmlns:a16="http://schemas.microsoft.com/office/drawing/2014/main" id="{70DF0519-7FC0-B92C-CF19-6A14F2CD23B7}"/>
+              </a:ext>
+            </a:extLst>
+          </p:cNvPr>
+          <p:cNvPicPr>
+            <a:picLocks noChangeAspect="1"/>
+          </p:cNvPicPr>
+          <p:nvPr/>
+        </p:nvPicPr>
+        <p:blipFill>
+          <a:blip r:embed="rId2"/>
+          <a:stretch>
+            <a:fillRect/>
+          </a:stretch>
+        </p:blipFill>
+        <p:spPr>
+          <a:xfrm>
+            <a:off x="0" y="6836899"/>
+            <a:ext cx="3657600" cy="3657600"/>
+          </a:xfrm>
+          <a:prstGeom prst="rect">
+            <a:avLst/>
+          </a:prstGeom>
+        </p:spPr>
+      </p:pic>
+      <p:pic>
+        <p:nvPicPr>
+          <p:cNvPr id="3" name="Picture 2">
+            <a:extLst>
+              <a:ext uri="{FF2B5EF4-FFF2-40B4-BE49-F238E27FC236}">
+                <a16:creationId xmlns:a16="http://schemas.microsoft.com/office/drawing/2014/main" id="{03DB1FFB-BDC3-9BE6-5A37-747EC3E20B27}"/>
+              </a:ext>
+            </a:extLst>
+          </p:cNvPr>
+          <p:cNvPicPr>
+            <a:picLocks noChangeAspect="1"/>
+          </p:cNvPicPr>
+          <p:nvPr/>
+        </p:nvPicPr>
+        <p:blipFill>
+          <a:blip r:embed="rId3"/>
+          <a:stretch>
+            <a:fillRect/>
+          </a:stretch>
+        </p:blipFill>
+        <p:spPr>
+          <a:xfrm>
+            <a:off x="3657600" y="6839538"/>
+            <a:ext cx="3657600" cy="3657600"/>
+          </a:xfrm>
+          <a:prstGeom prst="rect">
+            <a:avLst/>
+          </a:prstGeom>
+        </p:spPr>
+      </p:pic>
+      <p:pic>
+        <p:nvPicPr>
+          <p:cNvPr id="4" name="Picture 3">
+            <a:extLst>
+              <a:ext uri="{FF2B5EF4-FFF2-40B4-BE49-F238E27FC236}">
+                <a16:creationId xmlns:a16="http://schemas.microsoft.com/office/drawing/2014/main" id="{13FF0FB9-01A6-D32C-C4CD-1197ADDA3409}"/>
+              </a:ext>
+            </a:extLst>
+          </p:cNvPr>
+          <p:cNvPicPr>
+            <a:picLocks noChangeAspect="1"/>
+          </p:cNvPicPr>
+          <p:nvPr/>
+        </p:nvPicPr>
+        <p:blipFill>
+          <a:blip r:embed="rId4"/>
+          <a:stretch>
+            <a:fillRect/>
+          </a:stretch>
+        </p:blipFill>
+        <p:spPr>
+          <a:xfrm>
+            <a:off x="7315200" y="6842177"/>
+            <a:ext cx="2286000" cy="3657600"/>
+          </a:xfrm>
+          <a:prstGeom prst="rect">
+            <a:avLst/>
+          </a:prstGeom>
+        </p:spPr>
+      </p:pic>
+      <p:pic>
+        <p:nvPicPr>
+          <p:cNvPr id="5" name="Picture 4">
+            <a:extLst>
+              <a:ext uri="{FF2B5EF4-FFF2-40B4-BE49-F238E27FC236}">
+                <a16:creationId xmlns:a16="http://schemas.microsoft.com/office/drawing/2014/main" id="{AFF16B96-D559-9E44-84A5-084DDED5C5BB}"/>
+              </a:ext>
+            </a:extLst>
+          </p:cNvPr>
+          <p:cNvPicPr>
+            <a:picLocks noChangeAspect="1"/>
+          </p:cNvPicPr>
+          <p:nvPr/>
+        </p:nvPicPr>
+        <p:blipFill>
+          <a:blip r:embed="rId5"/>
+          <a:stretch>
+            <a:fillRect/>
+          </a:stretch>
+        </p:blipFill>
+        <p:spPr>
+          <a:xfrm>
+            <a:off x="9601200" y="6836899"/>
+            <a:ext cx="2286000" cy="3657600"/>
+          </a:xfrm>
+          <a:prstGeom prst="rect">
+            <a:avLst/>
+          </a:prstGeom>
+        </p:spPr>
+      </p:pic>
+      <p:pic>
+        <p:nvPicPr>
+          <p:cNvPr id="10" name="Picture 9">
+            <a:extLst>
+              <a:ext uri="{FF2B5EF4-FFF2-40B4-BE49-F238E27FC236}">
+                <a16:creationId xmlns:a16="http://schemas.microsoft.com/office/drawing/2014/main" id="{2AB74D90-545E-5CDB-6175-B5A78B623436}"/>
+              </a:ext>
+            </a:extLst>
+          </p:cNvPr>
+          <p:cNvPicPr>
+            <a:picLocks noChangeAspect="1"/>
+          </p:cNvPicPr>
+          <p:nvPr/>
+        </p:nvPicPr>
+        <p:blipFill>
+          <a:blip r:embed="rId6"/>
+          <a:stretch>
+            <a:fillRect/>
+          </a:stretch>
+        </p:blipFill>
+        <p:spPr>
+          <a:xfrm>
+            <a:off x="9000331" y="0"/>
+            <a:ext cx="2743200" cy="1828800"/>
+          </a:xfrm>
+          <a:prstGeom prst="rect">
+            <a:avLst/>
+          </a:prstGeom>
+        </p:spPr>
+      </p:pic>
+      <p:pic>
+        <p:nvPicPr>
+          <p:cNvPr id="11" name="Picture 10">
+            <a:extLst>
+              <a:ext uri="{FF2B5EF4-FFF2-40B4-BE49-F238E27FC236}">
+                <a16:creationId xmlns:a16="http://schemas.microsoft.com/office/drawing/2014/main" id="{FF09CAE4-8266-4D78-7540-202B3C403125}"/>
+              </a:ext>
+            </a:extLst>
+          </p:cNvPr>
+          <p:cNvPicPr>
+            <a:picLocks noChangeAspect="1"/>
+          </p:cNvPicPr>
+          <p:nvPr/>
+        </p:nvPicPr>
+        <p:blipFill>
+          <a:blip r:embed="rId7"/>
+          <a:stretch>
+            <a:fillRect/>
+          </a:stretch>
+        </p:blipFill>
+        <p:spPr>
+          <a:xfrm>
+            <a:off x="9000331" y="1828800"/>
+            <a:ext cx="4572000" cy="3657600"/>
+          </a:xfrm>
+          <a:prstGeom prst="rect">
+            <a:avLst/>
+          </a:prstGeom>
+        </p:spPr>
+      </p:pic>
+      <p:pic>
+        <p:nvPicPr>
+          <p:cNvPr id="7" name="Picture 6">
+            <a:extLst>
+              <a:ext uri="{FF2B5EF4-FFF2-40B4-BE49-F238E27FC236}">
+                <a16:creationId xmlns:a16="http://schemas.microsoft.com/office/drawing/2014/main" id="{30B05F9B-8499-A960-AF39-1A36656D9B13}"/>
+              </a:ext>
+            </a:extLst>
+          </p:cNvPr>
+          <p:cNvPicPr>
+            <a:picLocks noChangeAspect="1"/>
+          </p:cNvPicPr>
+          <p:nvPr/>
+        </p:nvPicPr>
+        <p:blipFill>
+          <a:blip r:embed="rId8"/>
+          <a:stretch>
+            <a:fillRect/>
+          </a:stretch>
+        </p:blipFill>
+        <p:spPr>
+          <a:xfrm>
+            <a:off x="2743200" y="0"/>
+            <a:ext cx="4572000" cy="3657600"/>
+          </a:xfrm>
+          <a:prstGeom prst="rect">
+            <a:avLst/>
+          </a:prstGeom>
+        </p:spPr>
+      </p:pic>
+      <p:pic>
+        <p:nvPicPr>
+          <p:cNvPr id="12" name="Picture 11">
+            <a:extLst>
+              <a:ext uri="{FF2B5EF4-FFF2-40B4-BE49-F238E27FC236}">
+                <a16:creationId xmlns:a16="http://schemas.microsoft.com/office/drawing/2014/main" id="{5035152E-3365-44FA-0881-9E1C86137C53}"/>
+              </a:ext>
+            </a:extLst>
+          </p:cNvPr>
+          <p:cNvPicPr>
+            <a:picLocks noChangeAspect="1"/>
+          </p:cNvPicPr>
+          <p:nvPr/>
+        </p:nvPicPr>
+        <p:blipFill>
+          <a:blip r:embed="rId9"/>
+          <a:stretch>
+            <a:fillRect/>
+          </a:stretch>
+        </p:blipFill>
+        <p:spPr>
+          <a:xfrm>
+            <a:off x="0" y="0"/>
+            <a:ext cx="2743200" cy="1828800"/>
+          </a:xfrm>
+          <a:prstGeom prst="rect">
+            <a:avLst/>
+          </a:prstGeom>
+        </p:spPr>
+      </p:pic>
+      <p:pic>
+        <p:nvPicPr>
+          <p:cNvPr id="13" name="Picture 12">
+            <a:extLst>
+              <a:ext uri="{FF2B5EF4-FFF2-40B4-BE49-F238E27FC236}">
+                <a16:creationId xmlns:a16="http://schemas.microsoft.com/office/drawing/2014/main" id="{6807A128-ED8D-B65A-5E62-D22B913F3652}"/>
+              </a:ext>
+            </a:extLst>
+          </p:cNvPr>
+          <p:cNvPicPr>
+            <a:picLocks noChangeAspect="1"/>
+          </p:cNvPicPr>
+          <p:nvPr/>
+        </p:nvPicPr>
+        <p:blipFill>
+          <a:blip r:embed="rId10"/>
+          <a:stretch>
+            <a:fillRect/>
+          </a:stretch>
+        </p:blipFill>
+        <p:spPr>
+          <a:xfrm>
+            <a:off x="0" y="1828800"/>
+            <a:ext cx="2743200" cy="1828800"/>
+          </a:xfrm>
+          <a:prstGeom prst="rect">
+            <a:avLst/>
+          </a:prstGeom>
+        </p:spPr>
+      </p:pic>
+      <p:sp>
+        <p:nvSpPr>
+          <p:cNvPr id="6" name="TextBox 5">
+            <a:extLst>
+              <a:ext uri="{FF2B5EF4-FFF2-40B4-BE49-F238E27FC236}">
+                <a16:creationId xmlns:a16="http://schemas.microsoft.com/office/drawing/2014/main" id="{B9C52350-E419-1EA5-07EC-3F84D7E82C9B}"/>
+              </a:ext>
+            </a:extLst>
+          </p:cNvPr>
+          <p:cNvSpPr txBox="1"/>
+          <p:nvPr/>
+        </p:nvSpPr>
+        <p:spPr>
+          <a:xfrm>
+            <a:off x="12513780" y="6945868"/>
+            <a:ext cx="1776384" cy="923330"/>
+          </a:xfrm>
+          <a:prstGeom prst="rect">
+            <a:avLst/>
+          </a:prstGeom>
+          <a:noFill/>
+        </p:spPr>
+        <p:txBody>
+          <a:bodyPr wrap="none" rtlCol="0">
+            <a:spAutoFit/>
+          </a:bodyPr>
+          <a:lstStyle/>
+          <a:p>
+            <a:r>
+              <a:rPr lang="en-AT" dirty="0"/>
+              <a:t>check expression</a:t>
+            </a:r>
+          </a:p>
+          <a:p>
+            <a:r>
+              <a:rPr lang="en-AT" dirty="0"/>
+              <a:t>te gene</a:t>
+            </a:r>
+          </a:p>
+          <a:p>
+            <a:endParaRPr lang="en-AT" dirty="0"/>
+          </a:p>
+        </p:txBody>
+      </p:sp>
+    </p:spTree>
+    <p:extLst>
+      <p:ext uri="{BB962C8B-B14F-4D97-AF65-F5344CB8AC3E}">
+        <p14:creationId xmlns:p14="http://schemas.microsoft.com/office/powerpoint/2010/main" val="3114100624"/>
+      </p:ext>
+    </p:extLst>
+  </p:cSld>
+  <p:clrMapOvr>
+    <a:masterClrMapping/>
+  </p:clrMapOvr>
+</p:sld>
+</file>
+
+<file path=ppt/slides/slide4.xml><?xml version="1.0" encoding="utf-8"?>
 <p:sld xmlns:a="http://schemas.openxmlformats.org/drawingml/2006/main" xmlns:r="http://schemas.openxmlformats.org/officeDocument/2006/relationships" xmlns:p="http://schemas.openxmlformats.org/presentationml/2006/main">
   <p:cSld>
     <p:spTree>
@@ -9291,306 +9745,6 @@
 </p:sld>
 </file>
 
-<file path=ppt/slides/slide4.xml><?xml version="1.0" encoding="utf-8"?>
-<p:sld xmlns:a="http://schemas.openxmlformats.org/drawingml/2006/main" xmlns:r="http://schemas.openxmlformats.org/officeDocument/2006/relationships" xmlns:p="http://schemas.openxmlformats.org/presentationml/2006/main">
-  <p:cSld>
-    <p:spTree>
-      <p:nvGrpSpPr>
-        <p:cNvPr id="1" name=""/>
-        <p:cNvGrpSpPr/>
-        <p:nvPr/>
-      </p:nvGrpSpPr>
-      <p:grpSpPr>
-        <a:xfrm>
-          <a:off x="0" y="0"/>
-          <a:ext cx="0" cy="0"/>
-          <a:chOff x="0" y="0"/>
-          <a:chExt cx="0" cy="0"/>
-        </a:xfrm>
-      </p:grpSpPr>
-      <p:pic>
-        <p:nvPicPr>
-          <p:cNvPr id="2" name="Picture 1">
-            <a:extLst>
-              <a:ext uri="{FF2B5EF4-FFF2-40B4-BE49-F238E27FC236}">
-                <a16:creationId xmlns:a16="http://schemas.microsoft.com/office/drawing/2014/main" id="{70DF0519-7FC0-B92C-CF19-6A14F2CD23B7}"/>
-              </a:ext>
-            </a:extLst>
-          </p:cNvPr>
-          <p:cNvPicPr>
-            <a:picLocks noChangeAspect="1"/>
-          </p:cNvPicPr>
-          <p:nvPr/>
-        </p:nvPicPr>
-        <p:blipFill>
-          <a:blip r:embed="rId2"/>
-          <a:stretch>
-            <a:fillRect/>
-          </a:stretch>
-        </p:blipFill>
-        <p:spPr>
-          <a:xfrm>
-            <a:off x="0" y="6836899"/>
-            <a:ext cx="3657600" cy="3657600"/>
-          </a:xfrm>
-          <a:prstGeom prst="rect">
-            <a:avLst/>
-          </a:prstGeom>
-        </p:spPr>
-      </p:pic>
-      <p:pic>
-        <p:nvPicPr>
-          <p:cNvPr id="3" name="Picture 2">
-            <a:extLst>
-              <a:ext uri="{FF2B5EF4-FFF2-40B4-BE49-F238E27FC236}">
-                <a16:creationId xmlns:a16="http://schemas.microsoft.com/office/drawing/2014/main" id="{03DB1FFB-BDC3-9BE6-5A37-747EC3E20B27}"/>
-              </a:ext>
-            </a:extLst>
-          </p:cNvPr>
-          <p:cNvPicPr>
-            <a:picLocks noChangeAspect="1"/>
-          </p:cNvPicPr>
-          <p:nvPr/>
-        </p:nvPicPr>
-        <p:blipFill>
-          <a:blip r:embed="rId3"/>
-          <a:stretch>
-            <a:fillRect/>
-          </a:stretch>
-        </p:blipFill>
-        <p:spPr>
-          <a:xfrm>
-            <a:off x="3657600" y="6839538"/>
-            <a:ext cx="3657600" cy="3657600"/>
-          </a:xfrm>
-          <a:prstGeom prst="rect">
-            <a:avLst/>
-          </a:prstGeom>
-        </p:spPr>
-      </p:pic>
-      <p:pic>
-        <p:nvPicPr>
-          <p:cNvPr id="4" name="Picture 3">
-            <a:extLst>
-              <a:ext uri="{FF2B5EF4-FFF2-40B4-BE49-F238E27FC236}">
-                <a16:creationId xmlns:a16="http://schemas.microsoft.com/office/drawing/2014/main" id="{13FF0FB9-01A6-D32C-C4CD-1197ADDA3409}"/>
-              </a:ext>
-            </a:extLst>
-          </p:cNvPr>
-          <p:cNvPicPr>
-            <a:picLocks noChangeAspect="1"/>
-          </p:cNvPicPr>
-          <p:nvPr/>
-        </p:nvPicPr>
-        <p:blipFill>
-          <a:blip r:embed="rId4"/>
-          <a:stretch>
-            <a:fillRect/>
-          </a:stretch>
-        </p:blipFill>
-        <p:spPr>
-          <a:xfrm>
-            <a:off x="7315200" y="6842177"/>
-            <a:ext cx="2286000" cy="3657600"/>
-          </a:xfrm>
-          <a:prstGeom prst="rect">
-            <a:avLst/>
-          </a:prstGeom>
-        </p:spPr>
-      </p:pic>
-      <p:pic>
-        <p:nvPicPr>
-          <p:cNvPr id="5" name="Picture 4">
-            <a:extLst>
-              <a:ext uri="{FF2B5EF4-FFF2-40B4-BE49-F238E27FC236}">
-                <a16:creationId xmlns:a16="http://schemas.microsoft.com/office/drawing/2014/main" id="{AFF16B96-D559-9E44-84A5-084DDED5C5BB}"/>
-              </a:ext>
-            </a:extLst>
-          </p:cNvPr>
-          <p:cNvPicPr>
-            <a:picLocks noChangeAspect="1"/>
-          </p:cNvPicPr>
-          <p:nvPr/>
-        </p:nvPicPr>
-        <p:blipFill>
-          <a:blip r:embed="rId5"/>
-          <a:stretch>
-            <a:fillRect/>
-          </a:stretch>
-        </p:blipFill>
-        <p:spPr>
-          <a:xfrm>
-            <a:off x="9601200" y="6836899"/>
-            <a:ext cx="2286000" cy="3657600"/>
-          </a:xfrm>
-          <a:prstGeom prst="rect">
-            <a:avLst/>
-          </a:prstGeom>
-        </p:spPr>
-      </p:pic>
-      <p:pic>
-        <p:nvPicPr>
-          <p:cNvPr id="10" name="Picture 9">
-            <a:extLst>
-              <a:ext uri="{FF2B5EF4-FFF2-40B4-BE49-F238E27FC236}">
-                <a16:creationId xmlns:a16="http://schemas.microsoft.com/office/drawing/2014/main" id="{2AB74D90-545E-5CDB-6175-B5A78B623436}"/>
-              </a:ext>
-            </a:extLst>
-          </p:cNvPr>
-          <p:cNvPicPr>
-            <a:picLocks noChangeAspect="1"/>
-          </p:cNvPicPr>
-          <p:nvPr/>
-        </p:nvPicPr>
-        <p:blipFill>
-          <a:blip r:embed="rId6"/>
-          <a:stretch>
-            <a:fillRect/>
-          </a:stretch>
-        </p:blipFill>
-        <p:spPr>
-          <a:xfrm>
-            <a:off x="9000331" y="0"/>
-            <a:ext cx="2743200" cy="1828800"/>
-          </a:xfrm>
-          <a:prstGeom prst="rect">
-            <a:avLst/>
-          </a:prstGeom>
-        </p:spPr>
-      </p:pic>
-      <p:pic>
-        <p:nvPicPr>
-          <p:cNvPr id="11" name="Picture 10">
-            <a:extLst>
-              <a:ext uri="{FF2B5EF4-FFF2-40B4-BE49-F238E27FC236}">
-                <a16:creationId xmlns:a16="http://schemas.microsoft.com/office/drawing/2014/main" id="{FF09CAE4-8266-4D78-7540-202B3C403125}"/>
-              </a:ext>
-            </a:extLst>
-          </p:cNvPr>
-          <p:cNvPicPr>
-            <a:picLocks noChangeAspect="1"/>
-          </p:cNvPicPr>
-          <p:nvPr/>
-        </p:nvPicPr>
-        <p:blipFill>
-          <a:blip r:embed="rId7"/>
-          <a:stretch>
-            <a:fillRect/>
-          </a:stretch>
-        </p:blipFill>
-        <p:spPr>
-          <a:xfrm>
-            <a:off x="9000331" y="1828800"/>
-            <a:ext cx="4572000" cy="3657600"/>
-          </a:xfrm>
-          <a:prstGeom prst="rect">
-            <a:avLst/>
-          </a:prstGeom>
-        </p:spPr>
-      </p:pic>
-      <p:pic>
-        <p:nvPicPr>
-          <p:cNvPr id="7" name="Picture 6">
-            <a:extLst>
-              <a:ext uri="{FF2B5EF4-FFF2-40B4-BE49-F238E27FC236}">
-                <a16:creationId xmlns:a16="http://schemas.microsoft.com/office/drawing/2014/main" id="{30B05F9B-8499-A960-AF39-1A36656D9B13}"/>
-              </a:ext>
-            </a:extLst>
-          </p:cNvPr>
-          <p:cNvPicPr>
-            <a:picLocks noChangeAspect="1"/>
-          </p:cNvPicPr>
-          <p:nvPr/>
-        </p:nvPicPr>
-        <p:blipFill>
-          <a:blip r:embed="rId8"/>
-          <a:stretch>
-            <a:fillRect/>
-          </a:stretch>
-        </p:blipFill>
-        <p:spPr>
-          <a:xfrm>
-            <a:off x="2743200" y="0"/>
-            <a:ext cx="4572000" cy="3657600"/>
-          </a:xfrm>
-          <a:prstGeom prst="rect">
-            <a:avLst/>
-          </a:prstGeom>
-        </p:spPr>
-      </p:pic>
-      <p:pic>
-        <p:nvPicPr>
-          <p:cNvPr id="12" name="Picture 11">
-            <a:extLst>
-              <a:ext uri="{FF2B5EF4-FFF2-40B4-BE49-F238E27FC236}">
-                <a16:creationId xmlns:a16="http://schemas.microsoft.com/office/drawing/2014/main" id="{5035152E-3365-44FA-0881-9E1C86137C53}"/>
-              </a:ext>
-            </a:extLst>
-          </p:cNvPr>
-          <p:cNvPicPr>
-            <a:picLocks noChangeAspect="1"/>
-          </p:cNvPicPr>
-          <p:nvPr/>
-        </p:nvPicPr>
-        <p:blipFill>
-          <a:blip r:embed="rId9"/>
-          <a:stretch>
-            <a:fillRect/>
-          </a:stretch>
-        </p:blipFill>
-        <p:spPr>
-          <a:xfrm>
-            <a:off x="0" y="0"/>
-            <a:ext cx="2743200" cy="1828800"/>
-          </a:xfrm>
-          <a:prstGeom prst="rect">
-            <a:avLst/>
-          </a:prstGeom>
-        </p:spPr>
-      </p:pic>
-      <p:pic>
-        <p:nvPicPr>
-          <p:cNvPr id="13" name="Picture 12">
-            <a:extLst>
-              <a:ext uri="{FF2B5EF4-FFF2-40B4-BE49-F238E27FC236}">
-                <a16:creationId xmlns:a16="http://schemas.microsoft.com/office/drawing/2014/main" id="{6807A128-ED8D-B65A-5E62-D22B913F3652}"/>
-              </a:ext>
-            </a:extLst>
-          </p:cNvPr>
-          <p:cNvPicPr>
-            <a:picLocks noChangeAspect="1"/>
-          </p:cNvPicPr>
-          <p:nvPr/>
-        </p:nvPicPr>
-        <p:blipFill>
-          <a:blip r:embed="rId10"/>
-          <a:stretch>
-            <a:fillRect/>
-          </a:stretch>
-        </p:blipFill>
-        <p:spPr>
-          <a:xfrm>
-            <a:off x="0" y="1828800"/>
-            <a:ext cx="2743200" cy="1828800"/>
-          </a:xfrm>
-          <a:prstGeom prst="rect">
-            <a:avLst/>
-          </a:prstGeom>
-        </p:spPr>
-      </p:pic>
-    </p:spTree>
-    <p:extLst>
-      <p:ext uri="{BB962C8B-B14F-4D97-AF65-F5344CB8AC3E}">
-        <p14:creationId xmlns:p14="http://schemas.microsoft.com/office/powerpoint/2010/main" val="3114100624"/>
-      </p:ext>
-    </p:extLst>
-  </p:cSld>
-  <p:clrMapOvr>
-    <a:masterClrMapping/>
-  </p:clrMapOvr>
-</p:sld>
-</file>
-
 <file path=ppt/theme/theme1.xml><?xml version="1.0" encoding="utf-8"?>
 <a:theme xmlns:a="http://schemas.openxmlformats.org/drawingml/2006/main" name="Office Theme">
   <a:themeElements>
